--- a/디지털 영상처리/디지털영상처리(Homework#02).pptx
+++ b/디지털 영상처리/디지털영상처리(Homework#02).pptx
@@ -243,7 +243,7 @@
           <a:p>
             <a:fld id="{60A20359-8CA1-4405-8BAD-787A69404068}" type="datetimeFigureOut">
               <a:rPr lang="ko-KR" altLang="en-US" smtClean="0"/>
-              <a:t>2021. 4. 2.</a:t>
+              <a:t>2021-04-15</a:t>
             </a:fld>
             <a:endParaRPr lang="ko-KR" altLang="en-US"/>
           </a:p>
@@ -413,7 +413,7 @@
           <a:p>
             <a:fld id="{60A20359-8CA1-4405-8BAD-787A69404068}" type="datetimeFigureOut">
               <a:rPr lang="ko-KR" altLang="en-US" smtClean="0"/>
-              <a:t>2021. 4. 2.</a:t>
+              <a:t>2021-04-15</a:t>
             </a:fld>
             <a:endParaRPr lang="ko-KR" altLang="en-US"/>
           </a:p>
@@ -593,7 +593,7 @@
           <a:p>
             <a:fld id="{60A20359-8CA1-4405-8BAD-787A69404068}" type="datetimeFigureOut">
               <a:rPr lang="ko-KR" altLang="en-US" smtClean="0"/>
-              <a:t>2021. 4. 2.</a:t>
+              <a:t>2021-04-15</a:t>
             </a:fld>
             <a:endParaRPr lang="ko-KR" altLang="en-US"/>
           </a:p>
@@ -763,7 +763,7 @@
           <a:p>
             <a:fld id="{60A20359-8CA1-4405-8BAD-787A69404068}" type="datetimeFigureOut">
               <a:rPr lang="ko-KR" altLang="en-US" smtClean="0"/>
-              <a:t>2021. 4. 2.</a:t>
+              <a:t>2021-04-15</a:t>
             </a:fld>
             <a:endParaRPr lang="ko-KR" altLang="en-US"/>
           </a:p>
@@ -1007,7 +1007,7 @@
           <a:p>
             <a:fld id="{60A20359-8CA1-4405-8BAD-787A69404068}" type="datetimeFigureOut">
               <a:rPr lang="ko-KR" altLang="en-US" smtClean="0"/>
-              <a:t>2021. 4. 2.</a:t>
+              <a:t>2021-04-15</a:t>
             </a:fld>
             <a:endParaRPr lang="ko-KR" altLang="en-US"/>
           </a:p>
@@ -1239,7 +1239,7 @@
           <a:p>
             <a:fld id="{60A20359-8CA1-4405-8BAD-787A69404068}" type="datetimeFigureOut">
               <a:rPr lang="ko-KR" altLang="en-US" smtClean="0"/>
-              <a:t>2021. 4. 2.</a:t>
+              <a:t>2021-04-15</a:t>
             </a:fld>
             <a:endParaRPr lang="ko-KR" altLang="en-US"/>
           </a:p>
@@ -1606,7 +1606,7 @@
           <a:p>
             <a:fld id="{60A20359-8CA1-4405-8BAD-787A69404068}" type="datetimeFigureOut">
               <a:rPr lang="ko-KR" altLang="en-US" smtClean="0"/>
-              <a:t>2021. 4. 2.</a:t>
+              <a:t>2021-04-15</a:t>
             </a:fld>
             <a:endParaRPr lang="ko-KR" altLang="en-US"/>
           </a:p>
@@ -1724,7 +1724,7 @@
           <a:p>
             <a:fld id="{60A20359-8CA1-4405-8BAD-787A69404068}" type="datetimeFigureOut">
               <a:rPr lang="ko-KR" altLang="en-US" smtClean="0"/>
-              <a:t>2021. 4. 2.</a:t>
+              <a:t>2021-04-15</a:t>
             </a:fld>
             <a:endParaRPr lang="ko-KR" altLang="en-US"/>
           </a:p>
@@ -1819,7 +1819,7 @@
           <a:p>
             <a:fld id="{60A20359-8CA1-4405-8BAD-787A69404068}" type="datetimeFigureOut">
               <a:rPr lang="ko-KR" altLang="en-US" smtClean="0"/>
-              <a:t>2021. 4. 2.</a:t>
+              <a:t>2021-04-15</a:t>
             </a:fld>
             <a:endParaRPr lang="ko-KR" altLang="en-US"/>
           </a:p>
@@ -2096,7 +2096,7 @@
           <a:p>
             <a:fld id="{60A20359-8CA1-4405-8BAD-787A69404068}" type="datetimeFigureOut">
               <a:rPr lang="ko-KR" altLang="en-US" smtClean="0"/>
-              <a:t>2021. 4. 2.</a:t>
+              <a:t>2021-04-15</a:t>
             </a:fld>
             <a:endParaRPr lang="ko-KR" altLang="en-US"/>
           </a:p>
@@ -2353,7 +2353,7 @@
           <a:p>
             <a:fld id="{60A20359-8CA1-4405-8BAD-787A69404068}" type="datetimeFigureOut">
               <a:rPr lang="ko-KR" altLang="en-US" smtClean="0"/>
-              <a:t>2021. 4. 2.</a:t>
+              <a:t>2021-04-15</a:t>
             </a:fld>
             <a:endParaRPr lang="ko-KR" altLang="en-US"/>
           </a:p>
@@ -2566,7 +2566,7 @@
           <a:p>
             <a:fld id="{60A20359-8CA1-4405-8BAD-787A69404068}" type="datetimeFigureOut">
               <a:rPr lang="ko-KR" altLang="en-US" smtClean="0"/>
-              <a:t>2021. 4. 2.</a:t>
+              <a:t>2021-04-15</a:t>
             </a:fld>
             <a:endParaRPr lang="ko-KR" altLang="en-US"/>
           </a:p>
@@ -3365,30 +3365,1111 @@
             <a:r>
               <a:rPr lang="en-US" altLang="ko-KR" sz="1200" dirty="0">
                 <a:solidFill>
-                  <a:srgbClr val="FF0000"/>
-                </a:solidFill>
-              </a:rPr>
-              <a:t>(Python </a:t>
-            </a:r>
-            <a:r>
-              <a:rPr lang="ko-KR" altLang="en-US" sz="1200" dirty="0">
-                <a:solidFill>
-                  <a:srgbClr val="FF0000"/>
-                </a:solidFill>
-              </a:rPr>
-              <a:t>코드를 복사하여 제출합니다</a:t>
-            </a:r>
-            <a:r>
-              <a:rPr lang="en-US" altLang="ko-KR" sz="1200" dirty="0">
-                <a:solidFill>
-                  <a:srgbClr val="FF0000"/>
+                  <a:schemeClr val="tx1"/>
+                </a:solidFill>
+              </a:rPr>
+              <a:t>import cv2</a:t>
+            </a:r>
+          </a:p>
+          <a:p>
+            <a:pPr algn="just"/>
+            <a:r>
+              <a:rPr lang="en-US" altLang="ko-KR" sz="1200" dirty="0">
+                <a:solidFill>
+                  <a:schemeClr val="tx1"/>
+                </a:solidFill>
+              </a:rPr>
+              <a:t>import </a:t>
+            </a:r>
+            <a:r>
+              <a:rPr lang="en-US" altLang="ko-KR" sz="1200" dirty="0" err="1">
+                <a:solidFill>
+                  <a:schemeClr val="tx1"/>
+                </a:solidFill>
+              </a:rPr>
+              <a:t>numpy.fft</a:t>
+            </a:r>
+            <a:r>
+              <a:rPr lang="en-US" altLang="ko-KR" sz="1200" dirty="0">
+                <a:solidFill>
+                  <a:schemeClr val="tx1"/>
+                </a:solidFill>
+              </a:rPr>
+              <a:t> as </a:t>
+            </a:r>
+            <a:r>
+              <a:rPr lang="en-US" altLang="ko-KR" sz="1200" dirty="0" err="1">
+                <a:solidFill>
+                  <a:schemeClr val="tx1"/>
+                </a:solidFill>
+              </a:rPr>
+              <a:t>fp</a:t>
+            </a:r>
+            <a:endParaRPr lang="en-US" altLang="ko-KR" sz="1200" dirty="0">
+              <a:solidFill>
+                <a:schemeClr val="tx1"/>
+              </a:solidFill>
+            </a:endParaRPr>
+          </a:p>
+          <a:p>
+            <a:pPr algn="just"/>
+            <a:endParaRPr lang="en-US" altLang="ko-KR" sz="1200" dirty="0">
+              <a:solidFill>
+                <a:schemeClr val="tx1"/>
+              </a:solidFill>
+            </a:endParaRPr>
+          </a:p>
+          <a:p>
+            <a:pPr algn="just"/>
+            <a:r>
+              <a:rPr lang="en-US" altLang="ko-KR" sz="1200" dirty="0" err="1">
+                <a:solidFill>
+                  <a:schemeClr val="tx1"/>
+                </a:solidFill>
+              </a:rPr>
+              <a:t>cmap_lst</a:t>
+            </a:r>
+            <a:r>
+              <a:rPr lang="en-US" altLang="ko-KR" sz="1200" dirty="0">
+                <a:solidFill>
+                  <a:schemeClr val="tx1"/>
+                </a:solidFill>
+              </a:rPr>
+              <a:t> = ["Blues", "Greens", "Reds", "gray"]</a:t>
+            </a:r>
+          </a:p>
+          <a:p>
+            <a:pPr algn="just"/>
+            <a:r>
+              <a:rPr lang="en-US" altLang="ko-KR" sz="1200" dirty="0" err="1">
+                <a:solidFill>
+                  <a:schemeClr val="tx1"/>
+                </a:solidFill>
+              </a:rPr>
+              <a:t>read_img</a:t>
+            </a:r>
+            <a:r>
+              <a:rPr lang="en-US" altLang="ko-KR" sz="1200" dirty="0">
+                <a:solidFill>
+                  <a:schemeClr val="tx1"/>
+                </a:solidFill>
+              </a:rPr>
+              <a:t> = </a:t>
+            </a:r>
+            <a:r>
+              <a:rPr lang="en-US" altLang="ko-KR" sz="1200" dirty="0" err="1">
+                <a:solidFill>
+                  <a:schemeClr val="tx1"/>
+                </a:solidFill>
+              </a:rPr>
+              <a:t>imread</a:t>
+            </a:r>
+            <a:r>
+              <a:rPr lang="en-US" altLang="ko-KR" sz="1200" dirty="0">
+                <a:solidFill>
+                  <a:schemeClr val="tx1"/>
+                </a:solidFill>
+              </a:rPr>
+              <a:t>('./images/parrot.jpg')</a:t>
+            </a:r>
+          </a:p>
+          <a:p>
+            <a:pPr algn="just"/>
+            <a:r>
+              <a:rPr lang="en-US" altLang="ko-KR" sz="1200" dirty="0" err="1">
+                <a:solidFill>
+                  <a:schemeClr val="tx1"/>
+                </a:solidFill>
+              </a:rPr>
+              <a:t>img_arr</a:t>
+            </a:r>
+            <a:r>
+              <a:rPr lang="en-US" altLang="ko-KR" sz="1200" dirty="0">
+                <a:solidFill>
+                  <a:schemeClr val="tx1"/>
+                </a:solidFill>
+              </a:rPr>
+              <a:t> = cv2.split(</a:t>
+            </a:r>
+            <a:r>
+              <a:rPr lang="en-US" altLang="ko-KR" sz="1200" dirty="0" err="1">
+                <a:solidFill>
+                  <a:schemeClr val="tx1"/>
+                </a:solidFill>
+              </a:rPr>
+              <a:t>read_img</a:t>
+            </a:r>
+            <a:r>
+              <a:rPr lang="en-US" altLang="ko-KR" sz="1200" dirty="0">
+                <a:solidFill>
+                  <a:schemeClr val="tx1"/>
                 </a:solidFill>
               </a:rPr>
               <a:t>)</a:t>
+            </a:r>
+          </a:p>
+          <a:p>
+            <a:pPr algn="just"/>
+            <a:r>
+              <a:rPr lang="en-US" altLang="ko-KR" sz="1200" dirty="0" err="1">
+                <a:solidFill>
+                  <a:schemeClr val="tx1"/>
+                </a:solidFill>
+              </a:rPr>
+              <a:t>color_arr</a:t>
+            </a:r>
+            <a:r>
+              <a:rPr lang="en-US" altLang="ko-KR" sz="1200" dirty="0">
+                <a:solidFill>
+                  <a:schemeClr val="tx1"/>
+                </a:solidFill>
+              </a:rPr>
+              <a:t> = []</a:t>
+            </a:r>
+          </a:p>
+          <a:p>
+            <a:pPr algn="just"/>
+            <a:endParaRPr lang="en-US" altLang="ko-KR" sz="1200" dirty="0">
+              <a:solidFill>
+                <a:schemeClr val="tx1"/>
+              </a:solidFill>
+            </a:endParaRPr>
+          </a:p>
+          <a:p>
+            <a:pPr algn="just"/>
+            <a:r>
+              <a:rPr lang="en-US" altLang="ko-KR" sz="1200" dirty="0">
+                <a:solidFill>
+                  <a:schemeClr val="tx1"/>
+                </a:solidFill>
+              </a:rPr>
+              <a:t>for </a:t>
+            </a:r>
+            <a:r>
+              <a:rPr lang="en-US" altLang="ko-KR" sz="1200" dirty="0" err="1">
+                <a:solidFill>
+                  <a:schemeClr val="tx1"/>
+                </a:solidFill>
+              </a:rPr>
+              <a:t>i</a:t>
+            </a:r>
+            <a:r>
+              <a:rPr lang="en-US" altLang="ko-KR" sz="1200" dirty="0">
+                <a:solidFill>
+                  <a:schemeClr val="tx1"/>
+                </a:solidFill>
+              </a:rPr>
+              <a:t> in range(0, 3) :</a:t>
+            </a:r>
+          </a:p>
+          <a:p>
+            <a:pPr algn="just"/>
+            <a:r>
+              <a:rPr lang="en-US" altLang="ko-KR" sz="1200" dirty="0">
+                <a:solidFill>
+                  <a:schemeClr val="tx1"/>
+                </a:solidFill>
+              </a:rPr>
+              <a:t>  </a:t>
+            </a:r>
+            <a:r>
+              <a:rPr lang="en-US" altLang="ko-KR" sz="1200" dirty="0" err="1">
+                <a:solidFill>
+                  <a:schemeClr val="tx1"/>
+                </a:solidFill>
+              </a:rPr>
+              <a:t>pylab.subplot</a:t>
+            </a:r>
+            <a:r>
+              <a:rPr lang="en-US" altLang="ko-KR" sz="1200" dirty="0">
+                <a:solidFill>
+                  <a:schemeClr val="tx1"/>
+                </a:solidFill>
+              </a:rPr>
+              <a:t>(1,3,i+1), </a:t>
+            </a:r>
+            <a:r>
+              <a:rPr lang="en-US" altLang="ko-KR" sz="1200" dirty="0" err="1">
+                <a:solidFill>
+                  <a:schemeClr val="tx1"/>
+                </a:solidFill>
+              </a:rPr>
+              <a:t>pylab.imshow</a:t>
+            </a:r>
+            <a:r>
+              <a:rPr lang="en-US" altLang="ko-KR" sz="1200" dirty="0">
+                <a:solidFill>
+                  <a:schemeClr val="tx1"/>
+                </a:solidFill>
+              </a:rPr>
+              <a:t>(</a:t>
+            </a:r>
+            <a:r>
+              <a:rPr lang="en-US" altLang="ko-KR" sz="1200" dirty="0" err="1">
+                <a:solidFill>
+                  <a:schemeClr val="tx1"/>
+                </a:solidFill>
+              </a:rPr>
+              <a:t>np.clip</a:t>
+            </a:r>
+            <a:r>
+              <a:rPr lang="en-US" altLang="ko-KR" sz="1200" dirty="0">
+                <a:solidFill>
+                  <a:schemeClr val="tx1"/>
+                </a:solidFill>
+              </a:rPr>
+              <a:t>(</a:t>
+            </a:r>
+            <a:r>
+              <a:rPr lang="en-US" altLang="ko-KR" sz="1200" dirty="0" err="1">
+                <a:solidFill>
+                  <a:schemeClr val="tx1"/>
+                </a:solidFill>
+              </a:rPr>
+              <a:t>img_arr</a:t>
+            </a:r>
+            <a:r>
+              <a:rPr lang="en-US" altLang="ko-KR" sz="1200" dirty="0">
+                <a:solidFill>
+                  <a:schemeClr val="tx1"/>
+                </a:solidFill>
+              </a:rPr>
+              <a:t>[</a:t>
+            </a:r>
+            <a:r>
+              <a:rPr lang="en-US" altLang="ko-KR" sz="1200" dirty="0" err="1">
+                <a:solidFill>
+                  <a:schemeClr val="tx1"/>
+                </a:solidFill>
+              </a:rPr>
+              <a:t>i</a:t>
+            </a:r>
+            <a:r>
+              <a:rPr lang="en-US" altLang="ko-KR" sz="1200" dirty="0">
+                <a:solidFill>
+                  <a:schemeClr val="tx1"/>
+                </a:solidFill>
+              </a:rPr>
+              <a:t>],0,255))</a:t>
+            </a:r>
+          </a:p>
+          <a:p>
+            <a:pPr algn="just"/>
+            <a:r>
+              <a:rPr lang="en-US" altLang="ko-KR" sz="1200" dirty="0">
+                <a:solidFill>
+                  <a:schemeClr val="tx1"/>
+                </a:solidFill>
+              </a:rPr>
+              <a:t>  </a:t>
+            </a:r>
+            <a:r>
+              <a:rPr lang="en-US" altLang="ko-KR" sz="1200" dirty="0" err="1">
+                <a:solidFill>
+                  <a:schemeClr val="tx1"/>
+                </a:solidFill>
+              </a:rPr>
+              <a:t>pylab.title</a:t>
+            </a:r>
+            <a:r>
+              <a:rPr lang="en-US" altLang="ko-KR" sz="1200" dirty="0">
+                <a:solidFill>
+                  <a:schemeClr val="tx1"/>
+                </a:solidFill>
+              </a:rPr>
+              <a:t>('Split Channel ' + </a:t>
+            </a:r>
+            <a:r>
+              <a:rPr lang="en-US" altLang="ko-KR" sz="1200" dirty="0" err="1">
+                <a:solidFill>
+                  <a:schemeClr val="tx1"/>
+                </a:solidFill>
+              </a:rPr>
+              <a:t>cmap_lst</a:t>
+            </a:r>
+            <a:r>
+              <a:rPr lang="en-US" altLang="ko-KR" sz="1200" dirty="0">
+                <a:solidFill>
+                  <a:schemeClr val="tx1"/>
+                </a:solidFill>
+              </a:rPr>
+              <a:t>[</a:t>
+            </a:r>
+            <a:r>
+              <a:rPr lang="en-US" altLang="ko-KR" sz="1200" dirty="0" err="1">
+                <a:solidFill>
+                  <a:schemeClr val="tx1"/>
+                </a:solidFill>
+              </a:rPr>
+              <a:t>i</a:t>
+            </a:r>
+            <a:r>
+              <a:rPr lang="en-US" altLang="ko-KR" sz="1200" dirty="0">
+                <a:solidFill>
+                  <a:schemeClr val="tx1"/>
+                </a:solidFill>
+              </a:rPr>
+              <a:t>], size=10)</a:t>
+            </a:r>
+          </a:p>
+          <a:p>
+            <a:pPr algn="just"/>
+            <a:endParaRPr lang="en-US" altLang="ko-KR" sz="1200" dirty="0">
+              <a:solidFill>
+                <a:schemeClr val="tx1"/>
+              </a:solidFill>
+            </a:endParaRPr>
+          </a:p>
+          <a:p>
+            <a:pPr algn="just"/>
+            <a:r>
+              <a:rPr lang="en-US" altLang="ko-KR" sz="1200" dirty="0">
+                <a:solidFill>
+                  <a:schemeClr val="tx1"/>
+                </a:solidFill>
+              </a:rPr>
+              <a:t>for </a:t>
+            </a:r>
+            <a:r>
+              <a:rPr lang="en-US" altLang="ko-KR" sz="1200" dirty="0" err="1">
+                <a:solidFill>
+                  <a:schemeClr val="tx1"/>
+                </a:solidFill>
+              </a:rPr>
+              <a:t>i</a:t>
+            </a:r>
+            <a:r>
+              <a:rPr lang="en-US" altLang="ko-KR" sz="1200" dirty="0">
+                <a:solidFill>
+                  <a:schemeClr val="tx1"/>
+                </a:solidFill>
+              </a:rPr>
+              <a:t> in range(0, 3):</a:t>
+            </a:r>
+          </a:p>
+          <a:p>
+            <a:pPr algn="just"/>
+            <a:r>
+              <a:rPr lang="en-US" altLang="ko-KR" sz="1200" dirty="0">
+                <a:solidFill>
+                  <a:schemeClr val="tx1"/>
+                </a:solidFill>
+              </a:rPr>
+              <a:t>  im1 = rgb2gray(</a:t>
+            </a:r>
+            <a:r>
+              <a:rPr lang="en-US" altLang="ko-KR" sz="1200" dirty="0" err="1">
+                <a:solidFill>
+                  <a:schemeClr val="tx1"/>
+                </a:solidFill>
+              </a:rPr>
+              <a:t>img_arr</a:t>
+            </a:r>
+            <a:r>
+              <a:rPr lang="en-US" altLang="ko-KR" sz="1200" dirty="0">
+                <a:solidFill>
+                  <a:schemeClr val="tx1"/>
+                </a:solidFill>
+              </a:rPr>
+              <a:t>[</a:t>
+            </a:r>
+            <a:r>
+              <a:rPr lang="en-US" altLang="ko-KR" sz="1200" dirty="0" err="1">
+                <a:solidFill>
+                  <a:schemeClr val="tx1"/>
+                </a:solidFill>
+              </a:rPr>
+              <a:t>i</a:t>
+            </a:r>
+            <a:r>
+              <a:rPr lang="en-US" altLang="ko-KR" sz="1200" dirty="0">
+                <a:solidFill>
+                  <a:schemeClr val="tx1"/>
+                </a:solidFill>
+              </a:rPr>
+              <a:t>])</a:t>
+            </a:r>
+          </a:p>
+          <a:p>
+            <a:pPr algn="just"/>
+            <a:r>
+              <a:rPr lang="en-US" altLang="ko-KR" sz="1200" dirty="0">
+                <a:solidFill>
+                  <a:schemeClr val="tx1"/>
+                </a:solidFill>
+              </a:rPr>
+              <a:t>  </a:t>
+            </a:r>
+            <a:r>
+              <a:rPr lang="en-US" altLang="ko-KR" sz="1200" dirty="0" err="1">
+                <a:solidFill>
+                  <a:schemeClr val="tx1"/>
+                </a:solidFill>
+              </a:rPr>
+              <a:t>pylab.figure</a:t>
+            </a:r>
+            <a:r>
+              <a:rPr lang="en-US" altLang="ko-KR" sz="1200" dirty="0">
+                <a:solidFill>
+                  <a:schemeClr val="tx1"/>
+                </a:solidFill>
+              </a:rPr>
+              <a:t>(</a:t>
+            </a:r>
+            <a:r>
+              <a:rPr lang="en-US" altLang="ko-KR" sz="1200" dirty="0" err="1">
+                <a:solidFill>
+                  <a:schemeClr val="tx1"/>
+                </a:solidFill>
+              </a:rPr>
+              <a:t>figsize</a:t>
+            </a:r>
+            <a:r>
+              <a:rPr lang="en-US" altLang="ko-KR" sz="1200" dirty="0">
+                <a:solidFill>
+                  <a:schemeClr val="tx1"/>
+                </a:solidFill>
+              </a:rPr>
+              <a:t>=(12,10))</a:t>
+            </a:r>
+          </a:p>
+          <a:p>
+            <a:pPr algn="just"/>
+            <a:r>
+              <a:rPr lang="en-US" altLang="ko-KR" sz="1200" dirty="0">
+                <a:solidFill>
+                  <a:schemeClr val="tx1"/>
+                </a:solidFill>
+              </a:rPr>
+              <a:t>  freq1 = fp.fft2(im1)</a:t>
+            </a:r>
+          </a:p>
+          <a:p>
+            <a:pPr algn="just"/>
+            <a:r>
+              <a:rPr lang="en-US" altLang="ko-KR" sz="1200" dirty="0">
+                <a:solidFill>
+                  <a:schemeClr val="tx1"/>
+                </a:solidFill>
+              </a:rPr>
+              <a:t>  im1_ = fp.ifft2(freq1).real</a:t>
+            </a:r>
+          </a:p>
+          <a:p>
+            <a:pPr algn="just"/>
+            <a:r>
+              <a:rPr lang="en-US" altLang="ko-KR" sz="1200" dirty="0">
+                <a:solidFill>
+                  <a:schemeClr val="tx1"/>
+                </a:solidFill>
+              </a:rPr>
+              <a:t>  </a:t>
+            </a:r>
+            <a:r>
+              <a:rPr lang="en-US" altLang="ko-KR" sz="1200" dirty="0" err="1">
+                <a:solidFill>
+                  <a:schemeClr val="tx1"/>
+                </a:solidFill>
+              </a:rPr>
+              <a:t>pylab.subplot</a:t>
+            </a:r>
+            <a:r>
+              <a:rPr lang="en-US" altLang="ko-KR" sz="1200" dirty="0">
+                <a:solidFill>
+                  <a:schemeClr val="tx1"/>
+                </a:solidFill>
+              </a:rPr>
+              <a:t>(2,2,1), </a:t>
+            </a:r>
+            <a:r>
+              <a:rPr lang="en-US" altLang="ko-KR" sz="1200" dirty="0" err="1">
+                <a:solidFill>
+                  <a:schemeClr val="tx1"/>
+                </a:solidFill>
+              </a:rPr>
+              <a:t>pylab.imshow</a:t>
+            </a:r>
+            <a:r>
+              <a:rPr lang="en-US" altLang="ko-KR" sz="1200" dirty="0">
+                <a:solidFill>
+                  <a:schemeClr val="tx1"/>
+                </a:solidFill>
+              </a:rPr>
+              <a:t>(im1)</a:t>
+            </a:r>
+          </a:p>
+          <a:p>
+            <a:pPr algn="just"/>
+            <a:r>
+              <a:rPr lang="en-US" altLang="ko-KR" sz="1200" dirty="0">
+                <a:solidFill>
+                  <a:schemeClr val="tx1"/>
+                </a:solidFill>
+              </a:rPr>
+              <a:t>  </a:t>
+            </a:r>
+            <a:r>
+              <a:rPr lang="en-US" altLang="ko-KR" sz="1200" dirty="0" err="1">
+                <a:solidFill>
+                  <a:schemeClr val="tx1"/>
+                </a:solidFill>
+              </a:rPr>
+              <a:t>pylab.title</a:t>
+            </a:r>
+            <a:r>
+              <a:rPr lang="en-US" altLang="ko-KR" sz="1200" dirty="0">
+                <a:solidFill>
+                  <a:schemeClr val="tx1"/>
+                </a:solidFill>
+              </a:rPr>
+              <a:t>('Original Image - ' + </a:t>
+            </a:r>
+            <a:r>
+              <a:rPr lang="en-US" altLang="ko-KR" sz="1200" dirty="0" err="1">
+                <a:solidFill>
+                  <a:schemeClr val="tx1"/>
+                </a:solidFill>
+              </a:rPr>
+              <a:t>cmap_lst</a:t>
+            </a:r>
+            <a:r>
+              <a:rPr lang="en-US" altLang="ko-KR" sz="1200" dirty="0">
+                <a:solidFill>
+                  <a:schemeClr val="tx1"/>
+                </a:solidFill>
+              </a:rPr>
+              <a:t>[</a:t>
+            </a:r>
+            <a:r>
+              <a:rPr lang="en-US" altLang="ko-KR" sz="1200" dirty="0" err="1">
+                <a:solidFill>
+                  <a:schemeClr val="tx1"/>
+                </a:solidFill>
+              </a:rPr>
+              <a:t>i</a:t>
+            </a:r>
+            <a:r>
+              <a:rPr lang="en-US" altLang="ko-KR" sz="1200" dirty="0">
+                <a:solidFill>
+                  <a:schemeClr val="tx1"/>
+                </a:solidFill>
+              </a:rPr>
+              <a:t>], size=20) </a:t>
+            </a:r>
+          </a:p>
+          <a:p>
+            <a:pPr algn="just"/>
+            <a:r>
+              <a:rPr lang="en-US" altLang="ko-KR" sz="1200" dirty="0">
+                <a:solidFill>
+                  <a:schemeClr val="tx1"/>
+                </a:solidFill>
+              </a:rPr>
+              <a:t>  </a:t>
+            </a:r>
+            <a:r>
+              <a:rPr lang="en-US" altLang="ko-KR" sz="1200" dirty="0" err="1">
+                <a:solidFill>
+                  <a:schemeClr val="tx1"/>
+                </a:solidFill>
+              </a:rPr>
+              <a:t>pylab.subplot</a:t>
+            </a:r>
+            <a:r>
+              <a:rPr lang="en-US" altLang="ko-KR" sz="1200" dirty="0">
+                <a:solidFill>
+                  <a:schemeClr val="tx1"/>
+                </a:solidFill>
+              </a:rPr>
+              <a:t>(2,2,2), </a:t>
+            </a:r>
+            <a:r>
+              <a:rPr lang="en-US" altLang="ko-KR" sz="1200" dirty="0" err="1">
+                <a:solidFill>
+                  <a:schemeClr val="tx1"/>
+                </a:solidFill>
+              </a:rPr>
+              <a:t>pylab.imshow</a:t>
+            </a:r>
+            <a:r>
+              <a:rPr lang="en-US" altLang="ko-KR" sz="1200" dirty="0">
+                <a:solidFill>
+                  <a:schemeClr val="tx1"/>
+                </a:solidFill>
+              </a:rPr>
+              <a:t>(20*np.log10( 0.01 + </a:t>
+            </a:r>
+            <a:r>
+              <a:rPr lang="en-US" altLang="ko-KR" sz="1200" dirty="0" err="1">
+                <a:solidFill>
+                  <a:schemeClr val="tx1"/>
+                </a:solidFill>
+              </a:rPr>
+              <a:t>np.abs</a:t>
+            </a:r>
+            <a:r>
+              <a:rPr lang="en-US" altLang="ko-KR" sz="1200" dirty="0">
+                <a:solidFill>
+                  <a:schemeClr val="tx1"/>
+                </a:solidFill>
+              </a:rPr>
+              <a:t>(</a:t>
+            </a:r>
+            <a:r>
+              <a:rPr lang="en-US" altLang="ko-KR" sz="1200" dirty="0" err="1">
+                <a:solidFill>
+                  <a:schemeClr val="tx1"/>
+                </a:solidFill>
+              </a:rPr>
+              <a:t>fp.fftshift</a:t>
+            </a:r>
+            <a:r>
+              <a:rPr lang="en-US" altLang="ko-KR" sz="1200" dirty="0">
+                <a:solidFill>
+                  <a:schemeClr val="tx1"/>
+                </a:solidFill>
+              </a:rPr>
+              <a:t>(freq1))))</a:t>
+            </a:r>
+          </a:p>
+          <a:p>
+            <a:pPr algn="just"/>
+            <a:r>
+              <a:rPr lang="en-US" altLang="ko-KR" sz="1200" dirty="0">
+                <a:solidFill>
+                  <a:schemeClr val="tx1"/>
+                </a:solidFill>
+              </a:rPr>
+              <a:t>  </a:t>
+            </a:r>
+            <a:r>
+              <a:rPr lang="en-US" altLang="ko-KR" sz="1200" dirty="0" err="1">
+                <a:solidFill>
+                  <a:schemeClr val="tx1"/>
+                </a:solidFill>
+              </a:rPr>
+              <a:t>pylab.title</a:t>
+            </a:r>
+            <a:r>
+              <a:rPr lang="en-US" altLang="ko-KR" sz="1200" dirty="0">
+                <a:solidFill>
+                  <a:schemeClr val="tx1"/>
+                </a:solidFill>
+              </a:rPr>
+              <a:t>('FFT Spectrum </a:t>
+            </a:r>
+            <a:r>
+              <a:rPr lang="en-US" altLang="ko-KR" sz="1200" dirty="0" err="1">
+                <a:solidFill>
+                  <a:schemeClr val="tx1"/>
+                </a:solidFill>
+              </a:rPr>
+              <a:t>Maginitude</a:t>
+            </a:r>
+            <a:r>
+              <a:rPr lang="en-US" altLang="ko-KR" sz="1200" dirty="0">
+                <a:solidFill>
+                  <a:schemeClr val="tx1"/>
+                </a:solidFill>
+              </a:rPr>
+              <a:t>', size=20)</a:t>
+            </a:r>
+          </a:p>
+          <a:p>
+            <a:pPr algn="just"/>
+            <a:r>
+              <a:rPr lang="en-US" altLang="ko-KR" sz="1200" dirty="0">
+                <a:solidFill>
+                  <a:schemeClr val="tx1"/>
+                </a:solidFill>
+              </a:rPr>
+              <a:t>  </a:t>
+            </a:r>
+            <a:r>
+              <a:rPr lang="en-US" altLang="ko-KR" sz="1200" dirty="0" err="1">
+                <a:solidFill>
+                  <a:schemeClr val="tx1"/>
+                </a:solidFill>
+              </a:rPr>
+              <a:t>pylab.subplot</a:t>
+            </a:r>
+            <a:r>
+              <a:rPr lang="en-US" altLang="ko-KR" sz="1200" dirty="0">
+                <a:solidFill>
+                  <a:schemeClr val="tx1"/>
+                </a:solidFill>
+              </a:rPr>
+              <a:t>(2,2,3), </a:t>
+            </a:r>
+            <a:r>
+              <a:rPr lang="en-US" altLang="ko-KR" sz="1200" dirty="0" err="1">
+                <a:solidFill>
+                  <a:schemeClr val="tx1"/>
+                </a:solidFill>
+              </a:rPr>
+              <a:t>pylab.imshow</a:t>
+            </a:r>
+            <a:r>
+              <a:rPr lang="en-US" altLang="ko-KR" sz="1200" dirty="0">
+                <a:solidFill>
+                  <a:schemeClr val="tx1"/>
+                </a:solidFill>
+              </a:rPr>
+              <a:t>(</a:t>
+            </a:r>
+            <a:r>
+              <a:rPr lang="en-US" altLang="ko-KR" sz="1200" dirty="0" err="1">
+                <a:solidFill>
+                  <a:schemeClr val="tx1"/>
+                </a:solidFill>
+              </a:rPr>
+              <a:t>np.angle</a:t>
+            </a:r>
+            <a:r>
+              <a:rPr lang="en-US" altLang="ko-KR" sz="1200" dirty="0">
+                <a:solidFill>
+                  <a:schemeClr val="tx1"/>
+                </a:solidFill>
+              </a:rPr>
+              <a:t>(</a:t>
+            </a:r>
+            <a:r>
+              <a:rPr lang="en-US" altLang="ko-KR" sz="1200" dirty="0" err="1">
+                <a:solidFill>
+                  <a:schemeClr val="tx1"/>
+                </a:solidFill>
+              </a:rPr>
+              <a:t>fp.fftshift</a:t>
+            </a:r>
+            <a:r>
+              <a:rPr lang="en-US" altLang="ko-KR" sz="1200" dirty="0">
+                <a:solidFill>
+                  <a:schemeClr val="tx1"/>
+                </a:solidFill>
+              </a:rPr>
+              <a:t>(freq1)))</a:t>
+            </a:r>
+          </a:p>
+          <a:p>
+            <a:pPr algn="just"/>
+            <a:r>
+              <a:rPr lang="en-US" altLang="ko-KR" sz="1200" dirty="0">
+                <a:solidFill>
+                  <a:schemeClr val="tx1"/>
+                </a:solidFill>
+              </a:rPr>
+              <a:t>  </a:t>
+            </a:r>
+            <a:r>
+              <a:rPr lang="en-US" altLang="ko-KR" sz="1200" dirty="0" err="1">
+                <a:solidFill>
+                  <a:schemeClr val="tx1"/>
+                </a:solidFill>
+              </a:rPr>
+              <a:t>pylab.title</a:t>
+            </a:r>
+            <a:r>
+              <a:rPr lang="en-US" altLang="ko-KR" sz="1200" dirty="0">
+                <a:solidFill>
+                  <a:schemeClr val="tx1"/>
+                </a:solidFill>
+              </a:rPr>
+              <a:t>('FFT Phase', size=20)</a:t>
+            </a:r>
+          </a:p>
+          <a:p>
+            <a:pPr algn="just"/>
+            <a:r>
+              <a:rPr lang="en-US" altLang="ko-KR" sz="1200" dirty="0">
+                <a:solidFill>
+                  <a:schemeClr val="tx1"/>
+                </a:solidFill>
+              </a:rPr>
+              <a:t>  </a:t>
+            </a:r>
+            <a:r>
+              <a:rPr lang="en-US" altLang="ko-KR" sz="1200" dirty="0" err="1">
+                <a:solidFill>
+                  <a:schemeClr val="tx1"/>
+                </a:solidFill>
+              </a:rPr>
+              <a:t>pylab.subplot</a:t>
+            </a:r>
+            <a:r>
+              <a:rPr lang="en-US" altLang="ko-KR" sz="1200" dirty="0">
+                <a:solidFill>
+                  <a:schemeClr val="tx1"/>
+                </a:solidFill>
+              </a:rPr>
+              <a:t>(2,2,4), </a:t>
+            </a:r>
+            <a:r>
+              <a:rPr lang="en-US" altLang="ko-KR" sz="1200" dirty="0" err="1">
+                <a:solidFill>
+                  <a:schemeClr val="tx1"/>
+                </a:solidFill>
+              </a:rPr>
+              <a:t>pylab.imshow</a:t>
+            </a:r>
+            <a:r>
+              <a:rPr lang="en-US" altLang="ko-KR" sz="1200" dirty="0">
+                <a:solidFill>
+                  <a:schemeClr val="tx1"/>
+                </a:solidFill>
+              </a:rPr>
+              <a:t>(</a:t>
+            </a:r>
+            <a:r>
+              <a:rPr lang="en-US" altLang="ko-KR" sz="1200" dirty="0" err="1">
+                <a:solidFill>
+                  <a:schemeClr val="tx1"/>
+                </a:solidFill>
+              </a:rPr>
+              <a:t>np.clip</a:t>
+            </a:r>
+            <a:r>
+              <a:rPr lang="en-US" altLang="ko-KR" sz="1200" dirty="0">
+                <a:solidFill>
+                  <a:schemeClr val="tx1"/>
+                </a:solidFill>
+              </a:rPr>
+              <a:t>(im1_,0,255))</a:t>
+            </a:r>
+          </a:p>
+          <a:p>
+            <a:pPr algn="just"/>
+            <a:r>
+              <a:rPr lang="en-US" altLang="ko-KR" sz="1200" dirty="0">
+                <a:solidFill>
+                  <a:schemeClr val="tx1"/>
+                </a:solidFill>
+              </a:rPr>
+              <a:t>  </a:t>
+            </a:r>
+            <a:r>
+              <a:rPr lang="en-US" altLang="ko-KR" sz="1200" dirty="0" err="1">
+                <a:solidFill>
+                  <a:schemeClr val="tx1"/>
+                </a:solidFill>
+              </a:rPr>
+              <a:t>pylab.title</a:t>
+            </a:r>
+            <a:r>
+              <a:rPr lang="en-US" altLang="ko-KR" sz="1200" dirty="0">
+                <a:solidFill>
+                  <a:schemeClr val="tx1"/>
+                </a:solidFill>
+              </a:rPr>
+              <a:t>('Reconstructed Image', size=20)</a:t>
+            </a:r>
+          </a:p>
+          <a:p>
+            <a:pPr algn="just"/>
+            <a:r>
+              <a:rPr lang="en-US" altLang="ko-KR" sz="1200" dirty="0">
+                <a:solidFill>
+                  <a:schemeClr val="tx1"/>
+                </a:solidFill>
+              </a:rPr>
+              <a:t>  </a:t>
+            </a:r>
+            <a:r>
+              <a:rPr lang="en-US" altLang="ko-KR" sz="1200" dirty="0" err="1">
+                <a:solidFill>
+                  <a:schemeClr val="tx1"/>
+                </a:solidFill>
+              </a:rPr>
+              <a:t>pylab.show</a:t>
+            </a:r>
+            <a:r>
+              <a:rPr lang="en-US" altLang="ko-KR" sz="1200" dirty="0">
+                <a:solidFill>
+                  <a:schemeClr val="tx1"/>
+                </a:solidFill>
+              </a:rPr>
+              <a:t>()</a:t>
+            </a:r>
+          </a:p>
+          <a:p>
+            <a:pPr algn="just"/>
+            <a:r>
+              <a:rPr lang="en-US" altLang="ko-KR" sz="1200" dirty="0">
+                <a:solidFill>
+                  <a:schemeClr val="tx1"/>
+                </a:solidFill>
+              </a:rPr>
+              <a:t>  </a:t>
+            </a:r>
+            <a:r>
+              <a:rPr lang="en-US" altLang="ko-KR" sz="1200" dirty="0" err="1">
+                <a:solidFill>
+                  <a:schemeClr val="tx1"/>
+                </a:solidFill>
+              </a:rPr>
+              <a:t>color_arr.append</a:t>
+            </a:r>
+            <a:r>
+              <a:rPr lang="en-US" altLang="ko-KR" sz="1200" dirty="0">
+                <a:solidFill>
+                  <a:schemeClr val="tx1"/>
+                </a:solidFill>
+              </a:rPr>
+              <a:t>(</a:t>
+            </a:r>
+            <a:r>
+              <a:rPr lang="en-US" altLang="ko-KR" sz="1200" dirty="0" err="1">
+                <a:solidFill>
+                  <a:schemeClr val="tx1"/>
+                </a:solidFill>
+              </a:rPr>
+              <a:t>np.clip</a:t>
+            </a:r>
+            <a:r>
+              <a:rPr lang="en-US" altLang="ko-KR" sz="1200" dirty="0">
+                <a:solidFill>
+                  <a:schemeClr val="tx1"/>
+                </a:solidFill>
+              </a:rPr>
+              <a:t>(im1_,0,255))</a:t>
+            </a:r>
+          </a:p>
+          <a:p>
+            <a:pPr algn="just"/>
+            <a:r>
+              <a:rPr lang="en-US" altLang="ko-KR" sz="1200" dirty="0">
+                <a:solidFill>
+                  <a:schemeClr val="tx1"/>
+                </a:solidFill>
+              </a:rPr>
+              <a:t> </a:t>
+            </a:r>
+          </a:p>
+          <a:p>
+            <a:pPr algn="just"/>
+            <a:r>
+              <a:rPr lang="en-US" altLang="ko-KR" sz="1200" dirty="0">
+                <a:solidFill>
+                  <a:schemeClr val="tx1"/>
+                </a:solidFill>
+              </a:rPr>
+              <a:t>  </a:t>
+            </a:r>
+          </a:p>
+          <a:p>
+            <a:pPr algn="just"/>
+            <a:r>
+              <a:rPr lang="en-US" altLang="ko-KR" sz="1200" dirty="0">
+                <a:solidFill>
+                  <a:schemeClr val="tx1"/>
+                </a:solidFill>
+              </a:rPr>
+              <a:t>output = cv2.merge([</a:t>
+            </a:r>
+            <a:r>
+              <a:rPr lang="en-US" altLang="ko-KR" sz="1200" dirty="0" err="1">
+                <a:solidFill>
+                  <a:schemeClr val="tx1"/>
+                </a:solidFill>
+              </a:rPr>
+              <a:t>img_arr</a:t>
+            </a:r>
+            <a:r>
+              <a:rPr lang="en-US" altLang="ko-KR" sz="1200" dirty="0">
+                <a:solidFill>
+                  <a:schemeClr val="tx1"/>
+                </a:solidFill>
+              </a:rPr>
+              <a:t>[0], </a:t>
+            </a:r>
+            <a:r>
+              <a:rPr lang="en-US" altLang="ko-KR" sz="1200" dirty="0" err="1">
+                <a:solidFill>
+                  <a:schemeClr val="tx1"/>
+                </a:solidFill>
+              </a:rPr>
+              <a:t>img_arr</a:t>
+            </a:r>
+            <a:r>
+              <a:rPr lang="en-US" altLang="ko-KR" sz="1200" dirty="0">
+                <a:solidFill>
+                  <a:schemeClr val="tx1"/>
+                </a:solidFill>
+              </a:rPr>
+              <a:t>[1], </a:t>
+            </a:r>
+            <a:r>
+              <a:rPr lang="en-US" altLang="ko-KR" sz="1200" dirty="0" err="1">
+                <a:solidFill>
+                  <a:schemeClr val="tx1"/>
+                </a:solidFill>
+              </a:rPr>
+              <a:t>img_arr</a:t>
+            </a:r>
+            <a:r>
+              <a:rPr lang="en-US" altLang="ko-KR" sz="1200" dirty="0">
+                <a:solidFill>
+                  <a:schemeClr val="tx1"/>
+                </a:solidFill>
+              </a:rPr>
+              <a:t>[2]])</a:t>
+            </a:r>
+          </a:p>
+          <a:p>
+            <a:pPr algn="just"/>
+            <a:r>
+              <a:rPr lang="en-US" altLang="ko-KR" sz="1200" dirty="0" err="1">
+                <a:solidFill>
+                  <a:schemeClr val="tx1"/>
+                </a:solidFill>
+              </a:rPr>
+              <a:t>pylab.title</a:t>
+            </a:r>
+            <a:r>
+              <a:rPr lang="en-US" altLang="ko-KR" sz="1200" dirty="0">
+                <a:solidFill>
+                  <a:schemeClr val="tx1"/>
+                </a:solidFill>
+              </a:rPr>
+              <a:t>('Result', size=20)</a:t>
+            </a:r>
+          </a:p>
+          <a:p>
+            <a:pPr algn="just"/>
+            <a:r>
+              <a:rPr lang="en-US" altLang="ko-KR" sz="1200" dirty="0" err="1">
+                <a:solidFill>
+                  <a:schemeClr val="tx1"/>
+                </a:solidFill>
+              </a:rPr>
+              <a:t>pylab.imshow</a:t>
+            </a:r>
+            <a:r>
+              <a:rPr lang="en-US" altLang="ko-KR" sz="1200" dirty="0">
+                <a:solidFill>
+                  <a:schemeClr val="tx1"/>
+                </a:solidFill>
+              </a:rPr>
+              <a:t>(</a:t>
+            </a:r>
+            <a:r>
+              <a:rPr lang="en-US" altLang="ko-KR" sz="1200" dirty="0" err="1">
+                <a:solidFill>
+                  <a:schemeClr val="tx1"/>
+                </a:solidFill>
+              </a:rPr>
+              <a:t>np.clip</a:t>
+            </a:r>
+            <a:r>
+              <a:rPr lang="en-US" altLang="ko-KR" sz="1200" dirty="0">
+                <a:solidFill>
+                  <a:schemeClr val="tx1"/>
+                </a:solidFill>
+              </a:rPr>
+              <a:t>(output,0,255))</a:t>
             </a:r>
             <a:endParaRPr lang="ko-KR" altLang="en-US" sz="1200" dirty="0">
               <a:solidFill>
-                <a:srgbClr val="FF0000"/>
+                <a:schemeClr val="tx1"/>
               </a:solidFill>
             </a:endParaRPr>
           </a:p>
@@ -3581,7 +4662,7 @@
           <p:nvPr/>
         </p:nvPicPr>
         <p:blipFill>
-          <a:blip r:embed="rId2">
+          <a:blip r:embed="rId2" cstate="print">
             <a:extLst>
               <a:ext uri="{28A0092B-C50C-407E-A947-70E740481C1C}">
                 <a14:useLocalDpi xmlns:a14="http://schemas.microsoft.com/office/drawing/2010/main" val="0"/>

--- a/디지털 영상처리/디지털영상처리(Homework#02).pptx
+++ b/디지털 영상처리/디지털영상처리(Homework#02).pptx
@@ -1,8 +1,8 @@
 
 <file path=ppt/presentation.xml><?xml version="1.0" encoding="utf-8"?>
-<p:presentation xmlns:a="http://schemas.openxmlformats.org/drawingml/2006/main" xmlns:r="http://schemas.openxmlformats.org/officeDocument/2006/relationships" xmlns:p="http://schemas.openxmlformats.org/presentationml/2006/main" saveSubsetFonts="1">
+<p:presentation xmlns:r="http://schemas.openxmlformats.org/officeDocument/2006/relationships" xmlns:c="http://schemas.openxmlformats.org/drawingml/2006/chart" xmlns:a="http://schemas.openxmlformats.org/drawingml/2006/main" xmlns:dgm="http://schemas.openxmlformats.org/drawingml/2006/diagram" xmlns:dsp="http://schemas.microsoft.com/office/drawing/2008/diagram" xmlns:p="http://schemas.openxmlformats.org/presentationml/2006/main">
   <p:sldMasterIdLst>
-    <p:sldMasterId id="2147483672" r:id="rId1"/>
+    <p:sldMasterId id="2147483685" r:id="rId1"/>
   </p:sldMasterIdLst>
   <p:sldIdLst>
     <p:sldId id="256" r:id="rId2"/>
@@ -104,11 +104,6 @@
       </a:defRPr>
     </a:lvl9pPr>
   </p:defaultTextStyle>
-  <p:extLst>
-    <p:ext uri="{EFAFB233-063F-42B5-8137-9DF3F51BA10A}">
-      <p15:sldGuideLst xmlns:p15="http://schemas.microsoft.com/office/powerpoint/2012/main"/>
-    </p:ext>
-  </p:extLst>
 </p:presentation>
 </file>
 
@@ -2955,7 +2950,7 @@
 </file>
 
 <file path=ppt/slides/slide1.xml><?xml version="1.0" encoding="utf-8"?>
-<p:sld xmlns:a="http://schemas.openxmlformats.org/drawingml/2006/main" xmlns:r="http://schemas.openxmlformats.org/officeDocument/2006/relationships" xmlns:p="http://schemas.openxmlformats.org/presentationml/2006/main">
+<p:sld xmlns:r="http://schemas.openxmlformats.org/officeDocument/2006/relationships" xmlns:c="http://schemas.openxmlformats.org/drawingml/2006/chart" xmlns:a="http://schemas.openxmlformats.org/drawingml/2006/main" xmlns:dgm="http://schemas.openxmlformats.org/drawingml/2006/diagram" xmlns:dsp="http://schemas.microsoft.com/office/drawing/2008/diagram" xmlns:p="http://schemas.openxmlformats.org/presentationml/2006/main">
   <p:cSld>
     <p:spTree>
       <p:nvGrpSpPr>
@@ -2978,7 +2973,7 @@
             <a:spLocks noGrp="1"/>
           </p:cNvSpPr>
           <p:nvPr>
-            <p:ph type="title"/>
+            <p:ph type="title" idx="0"/>
           </p:nvPr>
         </p:nvSpPr>
         <p:spPr>
@@ -2991,19 +2986,22 @@
           <a:bodyPr/>
           <a:lstStyle/>
           <a:p>
-            <a:r>
-              <a:rPr lang="ko-KR" altLang="en-US" sz="1400" dirty="0">
+            <a:pPr lvl="0">
+              <a:defRPr/>
+            </a:pPr>
+            <a:r>
+              <a:rPr lang="ko-KR" altLang="en-US" sz="1400">
                 <a:latin typeface="+mj-ea"/>
               </a:rPr>
               <a:t>디지털영상처리 </a:t>
             </a:r>
             <a:r>
-              <a:rPr lang="en-US" altLang="ko-KR" sz="1400" dirty="0">
+              <a:rPr lang="en-US" altLang="ko-KR" sz="1400">
                 <a:latin typeface="+mj-ea"/>
               </a:rPr>
               <a:t>Homework #02</a:t>
             </a:r>
-            <a:endParaRPr lang="ko-KR" altLang="en-US" sz="1400" dirty="0">
+            <a:endParaRPr lang="ko-KR" altLang="en-US" sz="1400">
               <a:latin typeface="+mj-ea"/>
             </a:endParaRPr>
           </a:p>
@@ -3051,256 +3049,173 @@
               </a:lnSpc>
               <a:buFont typeface="+mj-lt"/>
               <a:buAutoNum type="arabicPeriod"/>
-            </a:pPr>
-            <a:r>
-              <a:rPr lang="ko-KR" altLang="en-US" sz="1200" dirty="0">
+              <a:defRPr/>
+            </a:pPr>
+            <a:r>
+              <a:rPr lang="ko-KR" altLang="en-US" sz="1200">
                 <a:latin typeface="+mj-ea"/>
                 <a:ea typeface="+mj-ea"/>
               </a:rPr>
-              <a:t>컬러 영상에 대한 </a:t>
-            </a:r>
-            <a:r>
-              <a:rPr lang="ko-KR" altLang="en-US" sz="1200" dirty="0" err="1">
+              <a:t>컬러 영상에 대한 푸리에 변환과 역변환에 의한 재구성 과정을 </a:t>
+            </a:r>
+            <a:br>
+              <a:rPr lang="en-US" altLang="ko-KR" sz="1200">
                 <a:latin typeface="+mj-ea"/>
                 <a:ea typeface="+mj-ea"/>
               </a:rPr>
-              <a:t>푸리에</a:t>
-            </a:r>
-            <a:r>
-              <a:rPr lang="ko-KR" altLang="en-US" sz="1200" dirty="0">
+            </a:br>
+            <a:r>
+              <a:rPr lang="en-US" altLang="ko-KR" sz="1200">
                 <a:latin typeface="+mj-ea"/>
                 <a:ea typeface="+mj-ea"/>
               </a:rPr>
-              <a:t> 변환과 </a:t>
-            </a:r>
-            <a:r>
-              <a:rPr lang="ko-KR" altLang="en-US" sz="1200" dirty="0" err="1">
+              <a:t>python</a:t>
+            </a:r>
+            <a:r>
+              <a:rPr lang="ko-KR" altLang="en-US" sz="1200">
                 <a:latin typeface="+mj-ea"/>
                 <a:ea typeface="+mj-ea"/>
               </a:rPr>
-              <a:t>역변환에</a:t>
-            </a:r>
-            <a:r>
-              <a:rPr lang="ko-KR" altLang="en-US" sz="1200" dirty="0">
+              <a:t> 으로 구현합니다</a:t>
+            </a:r>
+            <a:r>
+              <a:rPr lang="en-US" altLang="ko-KR" sz="1200">
                 <a:latin typeface="+mj-ea"/>
                 <a:ea typeface="+mj-ea"/>
               </a:rPr>
-              <a:t> 의한 재구성 과정을 </a:t>
+              <a:t>.</a:t>
             </a:r>
             <a:br>
-              <a:rPr lang="en-US" altLang="ko-KR" sz="1200" dirty="0">
+              <a:rPr lang="en-US" altLang="ko-KR" sz="1200">
                 <a:latin typeface="+mj-ea"/>
                 <a:ea typeface="+mj-ea"/>
               </a:rPr>
             </a:br>
             <a:r>
-              <a:rPr lang="en-US" altLang="ko-KR" sz="1200" dirty="0">
+              <a:rPr lang="en-US" altLang="ko-KR" sz="1200">
                 <a:latin typeface="+mj-ea"/>
                 <a:ea typeface="+mj-ea"/>
               </a:rPr>
-              <a:t>python</a:t>
-            </a:r>
-            <a:r>
-              <a:rPr lang="ko-KR" altLang="en-US" sz="1200" dirty="0">
+              <a:t>(</a:t>
+            </a:r>
+            <a:r>
+              <a:rPr lang="ko-KR" altLang="en-US" sz="1200">
                 <a:latin typeface="+mj-ea"/>
                 <a:ea typeface="+mj-ea"/>
               </a:rPr>
-              <a:t> </a:t>
-            </a:r>
-            <a:r>
-              <a:rPr lang="ko-KR" altLang="en-US" sz="1200" dirty="0" err="1">
+              <a:t>가정</a:t>
+            </a:r>
+            <a:r>
+              <a:rPr lang="en-US" altLang="ko-KR" sz="1200">
                 <a:latin typeface="+mj-ea"/>
                 <a:ea typeface="+mj-ea"/>
               </a:rPr>
-              <a:t>으로</a:t>
-            </a:r>
-            <a:r>
-              <a:rPr lang="ko-KR" altLang="en-US" sz="1200" dirty="0">
+              <a:t>) </a:t>
+            </a:r>
+            <a:r>
+              <a:rPr lang="ko-KR" altLang="en-US" sz="1200">
                 <a:latin typeface="+mj-ea"/>
                 <a:ea typeface="+mj-ea"/>
               </a:rPr>
-              <a:t> 구현합니다</a:t>
-            </a:r>
-            <a:r>
-              <a:rPr lang="en-US" altLang="ko-KR" sz="1200" dirty="0">
+              <a:t>컬러 영상은 예제 파일로 제공되는 </a:t>
+            </a:r>
+            <a:r>
+              <a:rPr lang="en-US" altLang="ko-KR" sz="1200">
                 <a:latin typeface="+mj-ea"/>
                 <a:ea typeface="+mj-ea"/>
               </a:rPr>
-              <a:t>.</a:t>
-            </a:r>
-            <a:br>
-              <a:rPr lang="en-US" altLang="ko-KR" sz="1200" dirty="0">
+              <a:t>parrot.jpg </a:t>
+            </a:r>
+            <a:r>
+              <a:rPr lang="ko-KR" altLang="en-US" sz="1200">
                 <a:latin typeface="+mj-ea"/>
                 <a:ea typeface="+mj-ea"/>
               </a:rPr>
-            </a:br>
-            <a:r>
-              <a:rPr lang="en-US" altLang="ko-KR" sz="1200" dirty="0">
+              <a:t>로 한다</a:t>
+            </a:r>
+            <a:r>
+              <a:rPr lang="en-US" altLang="ko-KR" sz="1200">
                 <a:latin typeface="+mj-ea"/>
                 <a:ea typeface="+mj-ea"/>
               </a:rPr>
-              <a:t>(</a:t>
-            </a:r>
-            <a:r>
-              <a:rPr lang="ko-KR" altLang="en-US" sz="1200" dirty="0">
+              <a:t>.</a:t>
+            </a:r>
+            <a:br>
+              <a:rPr lang="en-US" altLang="ko-KR" sz="1200">
                 <a:latin typeface="+mj-ea"/>
                 <a:ea typeface="+mj-ea"/>
               </a:rPr>
-              <a:t>가정</a:t>
-            </a:r>
-            <a:r>
-              <a:rPr lang="en-US" altLang="ko-KR" sz="1200" dirty="0">
+            </a:br>
+            <a:r>
+              <a:rPr lang="ko-KR" altLang="en-US" sz="1200">
                 <a:latin typeface="+mj-ea"/>
                 <a:ea typeface="+mj-ea"/>
               </a:rPr>
-              <a:t>) </a:t>
-            </a:r>
-            <a:r>
-              <a:rPr lang="ko-KR" altLang="en-US" sz="1200" dirty="0">
+              <a:t>         푸리에 변환과 역변환은 주어진 함수를 활용할 수 있다</a:t>
+            </a:r>
+            <a:r>
+              <a:rPr lang="en-US" altLang="ko-KR" sz="1200">
                 <a:latin typeface="+mj-ea"/>
                 <a:ea typeface="+mj-ea"/>
               </a:rPr>
-              <a:t>컬러 영상은 예제 파일로 제공되는 </a:t>
-            </a:r>
-            <a:r>
-              <a:rPr lang="en-US" altLang="ko-KR" sz="1200" dirty="0" err="1">
+              <a:t>.</a:t>
+            </a:r>
+            <a:br>
+              <a:rPr lang="en-US" altLang="ko-KR" sz="1200">
                 <a:latin typeface="+mj-ea"/>
                 <a:ea typeface="+mj-ea"/>
               </a:rPr>
-              <a:t>parrot.jpg</a:t>
-            </a:r>
-            <a:r>
-              <a:rPr lang="en-US" altLang="ko-KR" sz="1200" dirty="0">
+            </a:br>
+            <a:r>
+              <a:rPr lang="en-US" altLang="ko-KR" sz="1200">
                 <a:latin typeface="+mj-ea"/>
                 <a:ea typeface="+mj-ea"/>
               </a:rPr>
-              <a:t> </a:t>
-            </a:r>
-            <a:r>
-              <a:rPr lang="ko-KR" altLang="en-US" sz="1200" dirty="0">
+              <a:t>(</a:t>
+            </a:r>
+            <a:r>
+              <a:rPr lang="ko-KR" altLang="en-US" sz="1200">
                 <a:latin typeface="+mj-ea"/>
                 <a:ea typeface="+mj-ea"/>
               </a:rPr>
-              <a:t>로 한다</a:t>
-            </a:r>
-            <a:r>
-              <a:rPr lang="en-US" altLang="ko-KR" sz="1200" dirty="0">
+              <a:t>힌트</a:t>
+            </a:r>
+            <a:r>
+              <a:rPr lang="en-US" altLang="ko-KR" sz="1200">
                 <a:latin typeface="+mj-ea"/>
                 <a:ea typeface="+mj-ea"/>
               </a:rPr>
-              <a:t>.</a:t>
-            </a:r>
-            <a:br>
-              <a:rPr lang="en-US" altLang="ko-KR" sz="1200" dirty="0">
+              <a:t>)</a:t>
+            </a:r>
+            <a:r>
+              <a:rPr lang="ko-KR" altLang="en-US" sz="1200">
                 <a:latin typeface="+mj-ea"/>
                 <a:ea typeface="+mj-ea"/>
               </a:rPr>
-            </a:br>
-            <a:r>
-              <a:rPr lang="ko-KR" altLang="en-US" sz="1200" dirty="0">
+              <a:t> 각 채널에 대해 </a:t>
+            </a:r>
+            <a:r>
+              <a:rPr lang="en-US" altLang="ko-KR" sz="1200">
                 <a:latin typeface="+mj-ea"/>
                 <a:ea typeface="+mj-ea"/>
               </a:rPr>
-              <a:t>         </a:t>
-            </a:r>
-            <a:r>
-              <a:rPr lang="ko-KR" altLang="en-US" sz="1200" dirty="0" err="1">
+              <a:t>FFT</a:t>
+            </a:r>
+            <a:r>
+              <a:rPr lang="ko-KR" altLang="en-US" sz="1200">
                 <a:latin typeface="+mj-ea"/>
                 <a:ea typeface="+mj-ea"/>
               </a:rPr>
-              <a:t>푸리에</a:t>
-            </a:r>
-            <a:r>
-              <a:rPr lang="ko-KR" altLang="en-US" sz="1200" dirty="0">
+              <a:t>를 별도로 적용한다</a:t>
+            </a:r>
+            <a:r>
+              <a:rPr lang="en-US" altLang="ko-KR" sz="1200">
                 <a:latin typeface="+mj-ea"/>
                 <a:ea typeface="+mj-ea"/>
               </a:rPr>
-              <a:t> 변환과 </a:t>
-            </a:r>
-            <a:r>
-              <a:rPr lang="ko-KR" altLang="en-US" sz="1200" dirty="0" err="1">
-                <a:latin typeface="+mj-ea"/>
-                <a:ea typeface="+mj-ea"/>
-              </a:rPr>
-              <a:t>역변환은</a:t>
-            </a:r>
-            <a:r>
-              <a:rPr lang="ko-KR" altLang="en-US" sz="1200" dirty="0">
-                <a:latin typeface="+mj-ea"/>
-                <a:ea typeface="+mj-ea"/>
-              </a:rPr>
-              <a:t> 주어진 함수를 활용할 수 있다</a:t>
-            </a:r>
-            <a:r>
-              <a:rPr lang="en-US" altLang="ko-KR" sz="1200" dirty="0">
-                <a:latin typeface="+mj-ea"/>
-                <a:ea typeface="+mj-ea"/>
-              </a:rPr>
               <a:t>.</a:t>
             </a:r>
-            <a:br>
-              <a:rPr lang="en-US" altLang="ko-KR" sz="1200" dirty="0">
-                <a:latin typeface="+mj-ea"/>
-                <a:ea typeface="+mj-ea"/>
-              </a:rPr>
-            </a:br>
-            <a:r>
-              <a:rPr lang="en-US" altLang="ko-KR" sz="1200" dirty="0">
-                <a:latin typeface="+mj-ea"/>
-                <a:ea typeface="+mj-ea"/>
-              </a:rPr>
-              <a:t>(</a:t>
-            </a:r>
-            <a:r>
-              <a:rPr lang="ko-KR" altLang="en-US" sz="1200" dirty="0">
-                <a:latin typeface="+mj-ea"/>
-                <a:ea typeface="+mj-ea"/>
-              </a:rPr>
-              <a:t>힌트</a:t>
-            </a:r>
-            <a:r>
-              <a:rPr lang="en-US" altLang="ko-KR" sz="1200" dirty="0">
-                <a:latin typeface="+mj-ea"/>
-                <a:ea typeface="+mj-ea"/>
-              </a:rPr>
-              <a:t>)</a:t>
-            </a:r>
-            <a:r>
-              <a:rPr lang="ko-KR" altLang="en-US" sz="1200" dirty="0">
-                <a:latin typeface="+mj-ea"/>
-                <a:ea typeface="+mj-ea"/>
-              </a:rPr>
-              <a:t> 각 채널에 대해 </a:t>
-            </a:r>
-            <a:r>
-              <a:rPr lang="en-US" altLang="ko-KR" sz="1200" dirty="0">
-                <a:latin typeface="+mj-ea"/>
-                <a:ea typeface="+mj-ea"/>
-              </a:rPr>
-              <a:t>FFT</a:t>
-            </a:r>
-            <a:r>
-              <a:rPr lang="ko-KR" altLang="en-US" sz="1200" dirty="0" err="1">
-                <a:latin typeface="+mj-ea"/>
-                <a:ea typeface="+mj-ea"/>
-              </a:rPr>
-              <a:t>를</a:t>
-            </a:r>
-            <a:r>
-              <a:rPr lang="ko-KR" altLang="en-US" sz="1200" dirty="0">
-                <a:latin typeface="+mj-ea"/>
-                <a:ea typeface="+mj-ea"/>
-              </a:rPr>
-              <a:t> 별도로 적용한다</a:t>
-            </a:r>
-            <a:r>
-              <a:rPr lang="en-US" altLang="ko-KR" sz="1200" dirty="0">
-                <a:latin typeface="+mj-ea"/>
-                <a:ea typeface="+mj-ea"/>
-              </a:rPr>
-              <a:t>.</a:t>
-            </a:r>
-            <a:endParaRPr lang="ko-KR" altLang="en-US" sz="1200" dirty="0">
+            <a:endParaRPr lang="en-US" altLang="ko-KR" sz="1200">
               <a:latin typeface="+mj-ea"/>
               <a:ea typeface="+mj-ea"/>
             </a:endParaRPr>
@@ -3310,8 +3225,9 @@
               <a:lnSpc>
                 <a:spcPct val="150000"/>
               </a:lnSpc>
-            </a:pPr>
-            <a:endParaRPr lang="ko-KR" altLang="en-US" sz="1200" dirty="0">
+              <a:defRPr/>
+            </a:pPr>
+            <a:endParaRPr lang="ko-KR" altLang="en-US" sz="1200">
               <a:latin typeface="+mj-ea"/>
               <a:ea typeface="+mj-ea"/>
             </a:endParaRPr>
@@ -3358,1132 +3274,657 @@
           </a:fontRef>
         </p:style>
         <p:txBody>
-          <a:bodyPr rtlCol="0" anchor="t" anchorCtr="0"/>
-          <a:lstStyle/>
-          <a:p>
-            <a:pPr algn="just"/>
-            <a:r>
-              <a:rPr lang="en-US" altLang="ko-KR" sz="1200" dirty="0">
+          <a:bodyPr anchor="t" anchorCtr="0"/>
+          <a:lstStyle/>
+          <a:p>
+            <a:pPr algn="just">
+              <a:defRPr/>
+            </a:pPr>
+            <a:r>
+              <a:rPr lang="en-US" altLang="ko-KR" sz="1200">
                 <a:solidFill>
                   <a:schemeClr val="tx1"/>
                 </a:solidFill>
               </a:rPr>
               <a:t>import cv2</a:t>
             </a:r>
-          </a:p>
-          <a:p>
-            <a:pPr algn="just"/>
-            <a:r>
-              <a:rPr lang="en-US" altLang="ko-KR" sz="1200" dirty="0">
-                <a:solidFill>
-                  <a:schemeClr val="tx1"/>
-                </a:solidFill>
-              </a:rPr>
-              <a:t>import </a:t>
-            </a:r>
-            <a:r>
-              <a:rPr lang="en-US" altLang="ko-KR" sz="1200" dirty="0" err="1">
-                <a:solidFill>
-                  <a:schemeClr val="tx1"/>
-                </a:solidFill>
-              </a:rPr>
-              <a:t>numpy.fft</a:t>
-            </a:r>
-            <a:r>
-              <a:rPr lang="en-US" altLang="ko-KR" sz="1200" dirty="0">
-                <a:solidFill>
-                  <a:schemeClr val="tx1"/>
-                </a:solidFill>
-              </a:rPr>
-              <a:t> as </a:t>
-            </a:r>
-            <a:r>
-              <a:rPr lang="en-US" altLang="ko-KR" sz="1200" dirty="0" err="1">
-                <a:solidFill>
-                  <a:schemeClr val="tx1"/>
-                </a:solidFill>
-              </a:rPr>
-              <a:t>fp</a:t>
-            </a:r>
-            <a:endParaRPr lang="en-US" altLang="ko-KR" sz="1200" dirty="0">
+            <a:endParaRPr lang="en-US" altLang="ko-KR" sz="1200">
               <a:solidFill>
                 <a:schemeClr val="tx1"/>
               </a:solidFill>
             </a:endParaRPr>
           </a:p>
           <a:p>
-            <a:pPr algn="just"/>
-            <a:endParaRPr lang="en-US" altLang="ko-KR" sz="1200" dirty="0">
+            <a:pPr algn="just">
+              <a:defRPr/>
+            </a:pPr>
+            <a:r>
+              <a:rPr lang="en-US" altLang="ko-KR" sz="1200">
+                <a:solidFill>
+                  <a:schemeClr val="tx1"/>
+                </a:solidFill>
+              </a:rPr>
+              <a:t>import numpy.fft as fp</a:t>
+            </a:r>
+            <a:endParaRPr lang="en-US" altLang="ko-KR" sz="1200">
               <a:solidFill>
                 <a:schemeClr val="tx1"/>
               </a:solidFill>
             </a:endParaRPr>
           </a:p>
           <a:p>
-            <a:pPr algn="just"/>
-            <a:r>
-              <a:rPr lang="en-US" altLang="ko-KR" sz="1200" dirty="0" err="1">
+            <a:pPr algn="just">
+              <a:defRPr/>
+            </a:pPr>
+            <a:r>
+              <a:rPr lang="en-US" altLang="ko-KR" sz="1200">
                 <a:solidFill>
                   <a:schemeClr val="tx1"/>
                 </a:solidFill>
               </a:rPr>
-              <a:t>cmap_lst</a:t>
-            </a:r>
-            <a:r>
-              <a:rPr lang="en-US" altLang="ko-KR" sz="1200" dirty="0">
-                <a:solidFill>
-                  <a:schemeClr val="tx1"/>
-                </a:solidFill>
-              </a:rPr>
-              <a:t> = ["Blues", "Greens", "Reds", "gray"]</a:t>
-            </a:r>
-          </a:p>
-          <a:p>
-            <a:pPr algn="just"/>
-            <a:r>
-              <a:rPr lang="en-US" altLang="ko-KR" sz="1200" dirty="0" err="1">
-                <a:solidFill>
-                  <a:schemeClr val="tx1"/>
-                </a:solidFill>
-              </a:rPr>
-              <a:t>read_img</a:t>
-            </a:r>
-            <a:r>
-              <a:rPr lang="en-US" altLang="ko-KR" sz="1200" dirty="0">
-                <a:solidFill>
-                  <a:schemeClr val="tx1"/>
-                </a:solidFill>
-              </a:rPr>
-              <a:t> = </a:t>
-            </a:r>
-            <a:r>
-              <a:rPr lang="en-US" altLang="ko-KR" sz="1200" dirty="0" err="1">
-                <a:solidFill>
-                  <a:schemeClr val="tx1"/>
-                </a:solidFill>
-              </a:rPr>
-              <a:t>imread</a:t>
-            </a:r>
-            <a:r>
-              <a:rPr lang="en-US" altLang="ko-KR" sz="1200" dirty="0">
-                <a:solidFill>
-                  <a:schemeClr val="tx1"/>
-                </a:solidFill>
-              </a:rPr>
-              <a:t>('./images/parrot.jpg')</a:t>
-            </a:r>
-          </a:p>
-          <a:p>
-            <a:pPr algn="just"/>
-            <a:r>
-              <a:rPr lang="en-US" altLang="ko-KR" sz="1200" dirty="0" err="1">
-                <a:solidFill>
-                  <a:schemeClr val="tx1"/>
-                </a:solidFill>
-              </a:rPr>
-              <a:t>img_arr</a:t>
-            </a:r>
-            <a:r>
-              <a:rPr lang="en-US" altLang="ko-KR" sz="1200" dirty="0">
-                <a:solidFill>
-                  <a:schemeClr val="tx1"/>
-                </a:solidFill>
-              </a:rPr>
-              <a:t> = cv2.split(</a:t>
-            </a:r>
-            <a:r>
-              <a:rPr lang="en-US" altLang="ko-KR" sz="1200" dirty="0" err="1">
-                <a:solidFill>
-                  <a:schemeClr val="tx1"/>
-                </a:solidFill>
-              </a:rPr>
-              <a:t>read_img</a:t>
-            </a:r>
-            <a:r>
-              <a:rPr lang="en-US" altLang="ko-KR" sz="1200" dirty="0">
-                <a:solidFill>
-                  <a:schemeClr val="tx1"/>
-                </a:solidFill>
-              </a:rPr>
-              <a:t>)</a:t>
-            </a:r>
-          </a:p>
-          <a:p>
-            <a:pPr algn="just"/>
-            <a:r>
-              <a:rPr lang="en-US" altLang="ko-KR" sz="1200" dirty="0" err="1">
-                <a:solidFill>
-                  <a:schemeClr val="tx1"/>
-                </a:solidFill>
-              </a:rPr>
-              <a:t>color_arr</a:t>
-            </a:r>
-            <a:r>
-              <a:rPr lang="en-US" altLang="ko-KR" sz="1200" dirty="0">
-                <a:solidFill>
-                  <a:schemeClr val="tx1"/>
-                </a:solidFill>
-              </a:rPr>
-              <a:t> = []</a:t>
-            </a:r>
-          </a:p>
-          <a:p>
-            <a:pPr algn="just"/>
-            <a:endParaRPr lang="en-US" altLang="ko-KR" sz="1200" dirty="0">
+              <a:t>import numpy as np </a:t>
+            </a:r>
+            <a:endParaRPr lang="en-US" altLang="ko-KR" sz="1200">
               <a:solidFill>
                 <a:schemeClr val="tx1"/>
               </a:solidFill>
             </a:endParaRPr>
           </a:p>
           <a:p>
-            <a:pPr algn="just"/>
-            <a:r>
-              <a:rPr lang="en-US" altLang="ko-KR" sz="1200" dirty="0">
+            <a:pPr algn="just">
+              <a:defRPr/>
+            </a:pPr>
+            <a:r>
+              <a:rPr lang="en-US" altLang="ko-KR" sz="1200">
                 <a:solidFill>
                   <a:schemeClr val="tx1"/>
                 </a:solidFill>
               </a:rPr>
-              <a:t>for </a:t>
-            </a:r>
-            <a:r>
-              <a:rPr lang="en-US" altLang="ko-KR" sz="1200" dirty="0" err="1">
-                <a:solidFill>
-                  <a:schemeClr val="tx1"/>
-                </a:solidFill>
-              </a:rPr>
-              <a:t>i</a:t>
-            </a:r>
-            <a:r>
-              <a:rPr lang="en-US" altLang="ko-KR" sz="1200" dirty="0">
-                <a:solidFill>
-                  <a:schemeClr val="tx1"/>
-                </a:solidFill>
-              </a:rPr>
-              <a:t> in range(0, 3) :</a:t>
-            </a:r>
-          </a:p>
-          <a:p>
-            <a:pPr algn="just"/>
-            <a:r>
-              <a:rPr lang="en-US" altLang="ko-KR" sz="1200" dirty="0">
-                <a:solidFill>
-                  <a:schemeClr val="tx1"/>
-                </a:solidFill>
-              </a:rPr>
-              <a:t>  </a:t>
-            </a:r>
-            <a:r>
-              <a:rPr lang="en-US" altLang="ko-KR" sz="1200" dirty="0" err="1">
-                <a:solidFill>
-                  <a:schemeClr val="tx1"/>
-                </a:solidFill>
-              </a:rPr>
-              <a:t>pylab.subplot</a:t>
-            </a:r>
-            <a:r>
-              <a:rPr lang="en-US" altLang="ko-KR" sz="1200" dirty="0">
-                <a:solidFill>
-                  <a:schemeClr val="tx1"/>
-                </a:solidFill>
-              </a:rPr>
-              <a:t>(1,3,i+1), </a:t>
-            </a:r>
-            <a:r>
-              <a:rPr lang="en-US" altLang="ko-KR" sz="1200" dirty="0" err="1">
-                <a:solidFill>
-                  <a:schemeClr val="tx1"/>
-                </a:solidFill>
-              </a:rPr>
-              <a:t>pylab.imshow</a:t>
-            </a:r>
-            <a:r>
-              <a:rPr lang="en-US" altLang="ko-KR" sz="1200" dirty="0">
-                <a:solidFill>
-                  <a:schemeClr val="tx1"/>
-                </a:solidFill>
-              </a:rPr>
-              <a:t>(</a:t>
-            </a:r>
-            <a:r>
-              <a:rPr lang="en-US" altLang="ko-KR" sz="1200" dirty="0" err="1">
-                <a:solidFill>
-                  <a:schemeClr val="tx1"/>
-                </a:solidFill>
-              </a:rPr>
-              <a:t>np.clip</a:t>
-            </a:r>
-            <a:r>
-              <a:rPr lang="en-US" altLang="ko-KR" sz="1200" dirty="0">
-                <a:solidFill>
-                  <a:schemeClr val="tx1"/>
-                </a:solidFill>
-              </a:rPr>
-              <a:t>(</a:t>
-            </a:r>
-            <a:r>
-              <a:rPr lang="en-US" altLang="ko-KR" sz="1200" dirty="0" err="1">
-                <a:solidFill>
-                  <a:schemeClr val="tx1"/>
-                </a:solidFill>
-              </a:rPr>
-              <a:t>img_arr</a:t>
-            </a:r>
-            <a:r>
-              <a:rPr lang="en-US" altLang="ko-KR" sz="1200" dirty="0">
-                <a:solidFill>
-                  <a:schemeClr val="tx1"/>
-                </a:solidFill>
-              </a:rPr>
-              <a:t>[</a:t>
-            </a:r>
-            <a:r>
-              <a:rPr lang="en-US" altLang="ko-KR" sz="1200" dirty="0" err="1">
-                <a:solidFill>
-                  <a:schemeClr val="tx1"/>
-                </a:solidFill>
-              </a:rPr>
-              <a:t>i</a:t>
-            </a:r>
-            <a:r>
-              <a:rPr lang="en-US" altLang="ko-KR" sz="1200" dirty="0">
-                <a:solidFill>
-                  <a:schemeClr val="tx1"/>
-                </a:solidFill>
-              </a:rPr>
-              <a:t>],0,255))</a:t>
-            </a:r>
-          </a:p>
-          <a:p>
-            <a:pPr algn="just"/>
-            <a:r>
-              <a:rPr lang="en-US" altLang="ko-KR" sz="1200" dirty="0">
-                <a:solidFill>
-                  <a:schemeClr val="tx1"/>
-                </a:solidFill>
-              </a:rPr>
-              <a:t>  </a:t>
-            </a:r>
-            <a:r>
-              <a:rPr lang="en-US" altLang="ko-KR" sz="1200" dirty="0" err="1">
-                <a:solidFill>
-                  <a:schemeClr val="tx1"/>
-                </a:solidFill>
-              </a:rPr>
-              <a:t>pylab.title</a:t>
-            </a:r>
-            <a:r>
-              <a:rPr lang="en-US" altLang="ko-KR" sz="1200" dirty="0">
-                <a:solidFill>
-                  <a:schemeClr val="tx1"/>
-                </a:solidFill>
-              </a:rPr>
-              <a:t>('Split Channel ' + </a:t>
-            </a:r>
-            <a:r>
-              <a:rPr lang="en-US" altLang="ko-KR" sz="1200" dirty="0" err="1">
-                <a:solidFill>
-                  <a:schemeClr val="tx1"/>
-                </a:solidFill>
-              </a:rPr>
-              <a:t>cmap_lst</a:t>
-            </a:r>
-            <a:r>
-              <a:rPr lang="en-US" altLang="ko-KR" sz="1200" dirty="0">
-                <a:solidFill>
-                  <a:schemeClr val="tx1"/>
-                </a:solidFill>
-              </a:rPr>
-              <a:t>[</a:t>
-            </a:r>
-            <a:r>
-              <a:rPr lang="en-US" altLang="ko-KR" sz="1200" dirty="0" err="1">
-                <a:solidFill>
-                  <a:schemeClr val="tx1"/>
-                </a:solidFill>
-              </a:rPr>
-              <a:t>i</a:t>
-            </a:r>
-            <a:r>
-              <a:rPr lang="en-US" altLang="ko-KR" sz="1200" dirty="0">
-                <a:solidFill>
-                  <a:schemeClr val="tx1"/>
-                </a:solidFill>
-              </a:rPr>
-              <a:t>], size=10)</a:t>
-            </a:r>
-          </a:p>
-          <a:p>
-            <a:pPr algn="just"/>
-            <a:endParaRPr lang="en-US" altLang="ko-KR" sz="1200" dirty="0">
+              <a:t>import matplotlib.pyplot as pylab</a:t>
+            </a:r>
+            <a:endParaRPr lang="en-US" altLang="ko-KR" sz="1200">
               <a:solidFill>
                 <a:schemeClr val="tx1"/>
               </a:solidFill>
             </a:endParaRPr>
           </a:p>
           <a:p>
-            <a:pPr algn="just"/>
-            <a:r>
-              <a:rPr lang="en-US" altLang="ko-KR" sz="1200" dirty="0">
+            <a:pPr algn="just">
+              <a:defRPr/>
+            </a:pPr>
+            <a:r>
+              <a:rPr lang="en-US" altLang="ko-KR" sz="1200">
                 <a:solidFill>
                   <a:schemeClr val="tx1"/>
                 </a:solidFill>
               </a:rPr>
-              <a:t>for </a:t>
-            </a:r>
-            <a:r>
-              <a:rPr lang="en-US" altLang="ko-KR" sz="1200" dirty="0" err="1">
-                <a:solidFill>
-                  <a:schemeClr val="tx1"/>
-                </a:solidFill>
-              </a:rPr>
-              <a:t>i</a:t>
-            </a:r>
-            <a:r>
-              <a:rPr lang="en-US" altLang="ko-KR" sz="1200" dirty="0">
-                <a:solidFill>
-                  <a:schemeClr val="tx1"/>
-                </a:solidFill>
-              </a:rPr>
-              <a:t> in range(0, 3):</a:t>
-            </a:r>
-          </a:p>
-          <a:p>
-            <a:pPr algn="just"/>
-            <a:r>
-              <a:rPr lang="en-US" altLang="ko-KR" sz="1200" dirty="0">
-                <a:solidFill>
-                  <a:schemeClr val="tx1"/>
-                </a:solidFill>
-              </a:rPr>
-              <a:t>  im1 = rgb2gray(</a:t>
-            </a:r>
-            <a:r>
-              <a:rPr lang="en-US" altLang="ko-KR" sz="1200" dirty="0" err="1">
-                <a:solidFill>
-                  <a:schemeClr val="tx1"/>
-                </a:solidFill>
-              </a:rPr>
-              <a:t>img_arr</a:t>
-            </a:r>
-            <a:r>
-              <a:rPr lang="en-US" altLang="ko-KR" sz="1200" dirty="0">
-                <a:solidFill>
-                  <a:schemeClr val="tx1"/>
-                </a:solidFill>
-              </a:rPr>
-              <a:t>[</a:t>
-            </a:r>
-            <a:r>
-              <a:rPr lang="en-US" altLang="ko-KR" sz="1200" dirty="0" err="1">
-                <a:solidFill>
-                  <a:schemeClr val="tx1"/>
-                </a:solidFill>
-              </a:rPr>
-              <a:t>i</a:t>
-            </a:r>
-            <a:r>
-              <a:rPr lang="en-US" altLang="ko-KR" sz="1200" dirty="0">
-                <a:solidFill>
-                  <a:schemeClr val="tx1"/>
-                </a:solidFill>
-              </a:rPr>
-              <a:t>])</a:t>
-            </a:r>
-          </a:p>
-          <a:p>
-            <a:pPr algn="just"/>
-            <a:r>
-              <a:rPr lang="en-US" altLang="ko-KR" sz="1200" dirty="0">
-                <a:solidFill>
-                  <a:schemeClr val="tx1"/>
-                </a:solidFill>
-              </a:rPr>
-              <a:t>  </a:t>
-            </a:r>
-            <a:r>
-              <a:rPr lang="en-US" altLang="ko-KR" sz="1200" dirty="0" err="1">
-                <a:solidFill>
-                  <a:schemeClr val="tx1"/>
-                </a:solidFill>
-              </a:rPr>
-              <a:t>pylab.figure</a:t>
-            </a:r>
-            <a:r>
-              <a:rPr lang="en-US" altLang="ko-KR" sz="1200" dirty="0">
-                <a:solidFill>
-                  <a:schemeClr val="tx1"/>
-                </a:solidFill>
-              </a:rPr>
-              <a:t>(</a:t>
-            </a:r>
-            <a:r>
-              <a:rPr lang="en-US" altLang="ko-KR" sz="1200" dirty="0" err="1">
-                <a:solidFill>
-                  <a:schemeClr val="tx1"/>
-                </a:solidFill>
-              </a:rPr>
-              <a:t>figsize</a:t>
-            </a:r>
-            <a:r>
-              <a:rPr lang="en-US" altLang="ko-KR" sz="1200" dirty="0">
-                <a:solidFill>
-                  <a:schemeClr val="tx1"/>
-                </a:solidFill>
-              </a:rPr>
-              <a:t>=(12,10))</a:t>
-            </a:r>
-          </a:p>
-          <a:p>
-            <a:pPr algn="just"/>
-            <a:r>
-              <a:rPr lang="en-US" altLang="ko-KR" sz="1200" dirty="0">
-                <a:solidFill>
-                  <a:schemeClr val="tx1"/>
-                </a:solidFill>
-              </a:rPr>
-              <a:t>  freq1 = fp.fft2(im1)</a:t>
-            </a:r>
-          </a:p>
-          <a:p>
-            <a:pPr algn="just"/>
-            <a:r>
-              <a:rPr lang="en-US" altLang="ko-KR" sz="1200" dirty="0">
-                <a:solidFill>
-                  <a:schemeClr val="tx1"/>
-                </a:solidFill>
-              </a:rPr>
-              <a:t>  im1_ = fp.ifft2(freq1).real</a:t>
-            </a:r>
-          </a:p>
-          <a:p>
-            <a:pPr algn="just"/>
-            <a:r>
-              <a:rPr lang="en-US" altLang="ko-KR" sz="1200" dirty="0">
-                <a:solidFill>
-                  <a:schemeClr val="tx1"/>
-                </a:solidFill>
-              </a:rPr>
-              <a:t>  </a:t>
-            </a:r>
-            <a:r>
-              <a:rPr lang="en-US" altLang="ko-KR" sz="1200" dirty="0" err="1">
-                <a:solidFill>
-                  <a:schemeClr val="tx1"/>
-                </a:solidFill>
-              </a:rPr>
-              <a:t>pylab.subplot</a:t>
-            </a:r>
-            <a:r>
-              <a:rPr lang="en-US" altLang="ko-KR" sz="1200" dirty="0">
-                <a:solidFill>
-                  <a:schemeClr val="tx1"/>
-                </a:solidFill>
-              </a:rPr>
-              <a:t>(2,2,1), </a:t>
-            </a:r>
-            <a:r>
-              <a:rPr lang="en-US" altLang="ko-KR" sz="1200" dirty="0" err="1">
-                <a:solidFill>
-                  <a:schemeClr val="tx1"/>
-                </a:solidFill>
-              </a:rPr>
-              <a:t>pylab.imshow</a:t>
-            </a:r>
-            <a:r>
-              <a:rPr lang="en-US" altLang="ko-KR" sz="1200" dirty="0">
-                <a:solidFill>
-                  <a:schemeClr val="tx1"/>
-                </a:solidFill>
-              </a:rPr>
-              <a:t>(im1)</a:t>
-            </a:r>
-          </a:p>
-          <a:p>
-            <a:pPr algn="just"/>
-            <a:r>
-              <a:rPr lang="en-US" altLang="ko-KR" sz="1200" dirty="0">
-                <a:solidFill>
-                  <a:schemeClr val="tx1"/>
-                </a:solidFill>
-              </a:rPr>
-              <a:t>  </a:t>
-            </a:r>
-            <a:r>
-              <a:rPr lang="en-US" altLang="ko-KR" sz="1200" dirty="0" err="1">
-                <a:solidFill>
-                  <a:schemeClr val="tx1"/>
-                </a:solidFill>
-              </a:rPr>
-              <a:t>pylab.title</a:t>
-            </a:r>
-            <a:r>
-              <a:rPr lang="en-US" altLang="ko-KR" sz="1200" dirty="0">
-                <a:solidFill>
-                  <a:schemeClr val="tx1"/>
-                </a:solidFill>
-              </a:rPr>
-              <a:t>('Original Image - ' + </a:t>
-            </a:r>
-            <a:r>
-              <a:rPr lang="en-US" altLang="ko-KR" sz="1200" dirty="0" err="1">
-                <a:solidFill>
-                  <a:schemeClr val="tx1"/>
-                </a:solidFill>
-              </a:rPr>
-              <a:t>cmap_lst</a:t>
-            </a:r>
-            <a:r>
-              <a:rPr lang="en-US" altLang="ko-KR" sz="1200" dirty="0">
-                <a:solidFill>
-                  <a:schemeClr val="tx1"/>
-                </a:solidFill>
-              </a:rPr>
-              <a:t>[</a:t>
-            </a:r>
-            <a:r>
-              <a:rPr lang="en-US" altLang="ko-KR" sz="1200" dirty="0" err="1">
-                <a:solidFill>
-                  <a:schemeClr val="tx1"/>
-                </a:solidFill>
-              </a:rPr>
-              <a:t>i</a:t>
-            </a:r>
-            <a:r>
-              <a:rPr lang="en-US" altLang="ko-KR" sz="1200" dirty="0">
-                <a:solidFill>
-                  <a:schemeClr val="tx1"/>
-                </a:solidFill>
-              </a:rPr>
-              <a:t>], size=20) </a:t>
-            </a:r>
-          </a:p>
-          <a:p>
-            <a:pPr algn="just"/>
-            <a:r>
-              <a:rPr lang="en-US" altLang="ko-KR" sz="1200" dirty="0">
-                <a:solidFill>
-                  <a:schemeClr val="tx1"/>
-                </a:solidFill>
-              </a:rPr>
-              <a:t>  </a:t>
-            </a:r>
-            <a:r>
-              <a:rPr lang="en-US" altLang="ko-KR" sz="1200" dirty="0" err="1">
-                <a:solidFill>
-                  <a:schemeClr val="tx1"/>
-                </a:solidFill>
-              </a:rPr>
-              <a:t>pylab.subplot</a:t>
-            </a:r>
-            <a:r>
-              <a:rPr lang="en-US" altLang="ko-KR" sz="1200" dirty="0">
-                <a:solidFill>
-                  <a:schemeClr val="tx1"/>
-                </a:solidFill>
-              </a:rPr>
-              <a:t>(2,2,2), </a:t>
-            </a:r>
-            <a:r>
-              <a:rPr lang="en-US" altLang="ko-KR" sz="1200" dirty="0" err="1">
-                <a:solidFill>
-                  <a:schemeClr val="tx1"/>
-                </a:solidFill>
-              </a:rPr>
-              <a:t>pylab.imshow</a:t>
-            </a:r>
-            <a:r>
-              <a:rPr lang="en-US" altLang="ko-KR" sz="1200" dirty="0">
-                <a:solidFill>
-                  <a:schemeClr val="tx1"/>
-                </a:solidFill>
-              </a:rPr>
-              <a:t>(20*np.log10( 0.01 + </a:t>
-            </a:r>
-            <a:r>
-              <a:rPr lang="en-US" altLang="ko-KR" sz="1200" dirty="0" err="1">
-                <a:solidFill>
-                  <a:schemeClr val="tx1"/>
-                </a:solidFill>
-              </a:rPr>
-              <a:t>np.abs</a:t>
-            </a:r>
-            <a:r>
-              <a:rPr lang="en-US" altLang="ko-KR" sz="1200" dirty="0">
-                <a:solidFill>
-                  <a:schemeClr val="tx1"/>
-                </a:solidFill>
-              </a:rPr>
-              <a:t>(</a:t>
-            </a:r>
-            <a:r>
-              <a:rPr lang="en-US" altLang="ko-KR" sz="1200" dirty="0" err="1">
-                <a:solidFill>
-                  <a:schemeClr val="tx1"/>
-                </a:solidFill>
-              </a:rPr>
-              <a:t>fp.fftshift</a:t>
-            </a:r>
-            <a:r>
-              <a:rPr lang="en-US" altLang="ko-KR" sz="1200" dirty="0">
-                <a:solidFill>
-                  <a:schemeClr val="tx1"/>
-                </a:solidFill>
-              </a:rPr>
-              <a:t>(freq1))))</a:t>
-            </a:r>
-          </a:p>
-          <a:p>
-            <a:pPr algn="just"/>
-            <a:r>
-              <a:rPr lang="en-US" altLang="ko-KR" sz="1200" dirty="0">
-                <a:solidFill>
-                  <a:schemeClr val="tx1"/>
-                </a:solidFill>
-              </a:rPr>
-              <a:t>  </a:t>
-            </a:r>
-            <a:r>
-              <a:rPr lang="en-US" altLang="ko-KR" sz="1200" dirty="0" err="1">
-                <a:solidFill>
-                  <a:schemeClr val="tx1"/>
-                </a:solidFill>
-              </a:rPr>
-              <a:t>pylab.title</a:t>
-            </a:r>
-            <a:r>
-              <a:rPr lang="en-US" altLang="ko-KR" sz="1200" dirty="0">
-                <a:solidFill>
-                  <a:schemeClr val="tx1"/>
-                </a:solidFill>
-              </a:rPr>
-              <a:t>('FFT Spectrum </a:t>
-            </a:r>
-            <a:r>
-              <a:rPr lang="en-US" altLang="ko-KR" sz="1200" dirty="0" err="1">
-                <a:solidFill>
-                  <a:schemeClr val="tx1"/>
-                </a:solidFill>
-              </a:rPr>
-              <a:t>Maginitude</a:t>
-            </a:r>
-            <a:r>
-              <a:rPr lang="en-US" altLang="ko-KR" sz="1200" dirty="0">
-                <a:solidFill>
-                  <a:schemeClr val="tx1"/>
-                </a:solidFill>
-              </a:rPr>
-              <a:t>', size=20)</a:t>
-            </a:r>
-          </a:p>
-          <a:p>
-            <a:pPr algn="just"/>
-            <a:r>
-              <a:rPr lang="en-US" altLang="ko-KR" sz="1200" dirty="0">
-                <a:solidFill>
-                  <a:schemeClr val="tx1"/>
-                </a:solidFill>
-              </a:rPr>
-              <a:t>  </a:t>
-            </a:r>
-            <a:r>
-              <a:rPr lang="en-US" altLang="ko-KR" sz="1200" dirty="0" err="1">
-                <a:solidFill>
-                  <a:schemeClr val="tx1"/>
-                </a:solidFill>
-              </a:rPr>
-              <a:t>pylab.subplot</a:t>
-            </a:r>
-            <a:r>
-              <a:rPr lang="en-US" altLang="ko-KR" sz="1200" dirty="0">
-                <a:solidFill>
-                  <a:schemeClr val="tx1"/>
-                </a:solidFill>
-              </a:rPr>
-              <a:t>(2,2,3), </a:t>
-            </a:r>
-            <a:r>
-              <a:rPr lang="en-US" altLang="ko-KR" sz="1200" dirty="0" err="1">
-                <a:solidFill>
-                  <a:schemeClr val="tx1"/>
-                </a:solidFill>
-              </a:rPr>
-              <a:t>pylab.imshow</a:t>
-            </a:r>
-            <a:r>
-              <a:rPr lang="en-US" altLang="ko-KR" sz="1200" dirty="0">
-                <a:solidFill>
-                  <a:schemeClr val="tx1"/>
-                </a:solidFill>
-              </a:rPr>
-              <a:t>(</a:t>
-            </a:r>
-            <a:r>
-              <a:rPr lang="en-US" altLang="ko-KR" sz="1200" dirty="0" err="1">
-                <a:solidFill>
-                  <a:schemeClr val="tx1"/>
-                </a:solidFill>
-              </a:rPr>
-              <a:t>np.angle</a:t>
-            </a:r>
-            <a:r>
-              <a:rPr lang="en-US" altLang="ko-KR" sz="1200" dirty="0">
-                <a:solidFill>
-                  <a:schemeClr val="tx1"/>
-                </a:solidFill>
-              </a:rPr>
-              <a:t>(</a:t>
-            </a:r>
-            <a:r>
-              <a:rPr lang="en-US" altLang="ko-KR" sz="1200" dirty="0" err="1">
-                <a:solidFill>
-                  <a:schemeClr val="tx1"/>
-                </a:solidFill>
-              </a:rPr>
-              <a:t>fp.fftshift</a:t>
-            </a:r>
-            <a:r>
-              <a:rPr lang="en-US" altLang="ko-KR" sz="1200" dirty="0">
-                <a:solidFill>
-                  <a:schemeClr val="tx1"/>
-                </a:solidFill>
-              </a:rPr>
-              <a:t>(freq1)))</a:t>
-            </a:r>
-          </a:p>
-          <a:p>
-            <a:pPr algn="just"/>
-            <a:r>
-              <a:rPr lang="en-US" altLang="ko-KR" sz="1200" dirty="0">
-                <a:solidFill>
-                  <a:schemeClr val="tx1"/>
-                </a:solidFill>
-              </a:rPr>
-              <a:t>  </a:t>
-            </a:r>
-            <a:r>
-              <a:rPr lang="en-US" altLang="ko-KR" sz="1200" dirty="0" err="1">
-                <a:solidFill>
-                  <a:schemeClr val="tx1"/>
-                </a:solidFill>
-              </a:rPr>
-              <a:t>pylab.title</a:t>
-            </a:r>
-            <a:r>
-              <a:rPr lang="en-US" altLang="ko-KR" sz="1200" dirty="0">
-                <a:solidFill>
-                  <a:schemeClr val="tx1"/>
-                </a:solidFill>
-              </a:rPr>
-              <a:t>('FFT Phase', size=20)</a:t>
-            </a:r>
-          </a:p>
-          <a:p>
-            <a:pPr algn="just"/>
-            <a:r>
-              <a:rPr lang="en-US" altLang="ko-KR" sz="1200" dirty="0">
-                <a:solidFill>
-                  <a:schemeClr val="tx1"/>
-                </a:solidFill>
-              </a:rPr>
-              <a:t>  </a:t>
-            </a:r>
-            <a:r>
-              <a:rPr lang="en-US" altLang="ko-KR" sz="1200" dirty="0" err="1">
-                <a:solidFill>
-                  <a:schemeClr val="tx1"/>
-                </a:solidFill>
-              </a:rPr>
-              <a:t>pylab.subplot</a:t>
-            </a:r>
-            <a:r>
-              <a:rPr lang="en-US" altLang="ko-KR" sz="1200" dirty="0">
-                <a:solidFill>
-                  <a:schemeClr val="tx1"/>
-                </a:solidFill>
-              </a:rPr>
-              <a:t>(2,2,4), </a:t>
-            </a:r>
-            <a:r>
-              <a:rPr lang="en-US" altLang="ko-KR" sz="1200" dirty="0" err="1">
-                <a:solidFill>
-                  <a:schemeClr val="tx1"/>
-                </a:solidFill>
-              </a:rPr>
-              <a:t>pylab.imshow</a:t>
-            </a:r>
-            <a:r>
-              <a:rPr lang="en-US" altLang="ko-KR" sz="1200" dirty="0">
-                <a:solidFill>
-                  <a:schemeClr val="tx1"/>
-                </a:solidFill>
-              </a:rPr>
-              <a:t>(</a:t>
-            </a:r>
-            <a:r>
-              <a:rPr lang="en-US" altLang="ko-KR" sz="1200" dirty="0" err="1">
-                <a:solidFill>
-                  <a:schemeClr val="tx1"/>
-                </a:solidFill>
-              </a:rPr>
-              <a:t>np.clip</a:t>
-            </a:r>
-            <a:r>
-              <a:rPr lang="en-US" altLang="ko-KR" sz="1200" dirty="0">
-                <a:solidFill>
-                  <a:schemeClr val="tx1"/>
-                </a:solidFill>
-              </a:rPr>
-              <a:t>(im1_,0,255))</a:t>
-            </a:r>
-          </a:p>
-          <a:p>
-            <a:pPr algn="just"/>
-            <a:r>
-              <a:rPr lang="en-US" altLang="ko-KR" sz="1200" dirty="0">
-                <a:solidFill>
-                  <a:schemeClr val="tx1"/>
-                </a:solidFill>
-              </a:rPr>
-              <a:t>  </a:t>
-            </a:r>
-            <a:r>
-              <a:rPr lang="en-US" altLang="ko-KR" sz="1200" dirty="0" err="1">
-                <a:solidFill>
-                  <a:schemeClr val="tx1"/>
-                </a:solidFill>
-              </a:rPr>
-              <a:t>pylab.title</a:t>
-            </a:r>
-            <a:r>
-              <a:rPr lang="en-US" altLang="ko-KR" sz="1200" dirty="0">
-                <a:solidFill>
-                  <a:schemeClr val="tx1"/>
-                </a:solidFill>
-              </a:rPr>
-              <a:t>('Reconstructed Image', size=20)</a:t>
-            </a:r>
-          </a:p>
-          <a:p>
-            <a:pPr algn="just"/>
-            <a:r>
-              <a:rPr lang="en-US" altLang="ko-KR" sz="1200" dirty="0">
-                <a:solidFill>
-                  <a:schemeClr val="tx1"/>
-                </a:solidFill>
-              </a:rPr>
-              <a:t>  </a:t>
-            </a:r>
-            <a:r>
-              <a:rPr lang="en-US" altLang="ko-KR" sz="1200" dirty="0" err="1">
-                <a:solidFill>
-                  <a:schemeClr val="tx1"/>
-                </a:solidFill>
-              </a:rPr>
-              <a:t>pylab.show</a:t>
-            </a:r>
-            <a:r>
-              <a:rPr lang="en-US" altLang="ko-KR" sz="1200" dirty="0">
-                <a:solidFill>
-                  <a:schemeClr val="tx1"/>
-                </a:solidFill>
-              </a:rPr>
-              <a:t>()</a:t>
-            </a:r>
-          </a:p>
-          <a:p>
-            <a:pPr algn="just"/>
-            <a:r>
-              <a:rPr lang="en-US" altLang="ko-KR" sz="1200" dirty="0">
-                <a:solidFill>
-                  <a:schemeClr val="tx1"/>
-                </a:solidFill>
-              </a:rPr>
-              <a:t>  </a:t>
-            </a:r>
-            <a:r>
-              <a:rPr lang="en-US" altLang="ko-KR" sz="1200" dirty="0" err="1">
-                <a:solidFill>
-                  <a:schemeClr val="tx1"/>
-                </a:solidFill>
-              </a:rPr>
-              <a:t>color_arr.append</a:t>
-            </a:r>
-            <a:r>
-              <a:rPr lang="en-US" altLang="ko-KR" sz="1200" dirty="0">
-                <a:solidFill>
-                  <a:schemeClr val="tx1"/>
-                </a:solidFill>
-              </a:rPr>
-              <a:t>(</a:t>
-            </a:r>
-            <a:r>
-              <a:rPr lang="en-US" altLang="ko-KR" sz="1200" dirty="0" err="1">
-                <a:solidFill>
-                  <a:schemeClr val="tx1"/>
-                </a:solidFill>
-              </a:rPr>
-              <a:t>np.clip</a:t>
-            </a:r>
-            <a:r>
-              <a:rPr lang="en-US" altLang="ko-KR" sz="1200" dirty="0">
-                <a:solidFill>
-                  <a:schemeClr val="tx1"/>
-                </a:solidFill>
-              </a:rPr>
-              <a:t>(im1_,0,255))</a:t>
-            </a:r>
-          </a:p>
-          <a:p>
-            <a:pPr algn="just"/>
-            <a:r>
-              <a:rPr lang="en-US" altLang="ko-KR" sz="1200" dirty="0">
-                <a:solidFill>
-                  <a:schemeClr val="tx1"/>
-                </a:solidFill>
-              </a:rPr>
-              <a:t> </a:t>
-            </a:r>
-          </a:p>
-          <a:p>
-            <a:pPr algn="just"/>
-            <a:r>
-              <a:rPr lang="en-US" altLang="ko-KR" sz="1200" dirty="0">
-                <a:solidFill>
-                  <a:schemeClr val="tx1"/>
-                </a:solidFill>
-              </a:rPr>
-              <a:t>  </a:t>
-            </a:r>
-          </a:p>
-          <a:p>
-            <a:pPr algn="just"/>
-            <a:r>
-              <a:rPr lang="en-US" altLang="ko-KR" sz="1200" dirty="0">
-                <a:solidFill>
-                  <a:schemeClr val="tx1"/>
-                </a:solidFill>
-              </a:rPr>
-              <a:t>output = cv2.merge([</a:t>
-            </a:r>
-            <a:r>
-              <a:rPr lang="en-US" altLang="ko-KR" sz="1200" dirty="0" err="1">
-                <a:solidFill>
-                  <a:schemeClr val="tx1"/>
-                </a:solidFill>
-              </a:rPr>
-              <a:t>img_arr</a:t>
-            </a:r>
-            <a:r>
-              <a:rPr lang="en-US" altLang="ko-KR" sz="1200" dirty="0">
-                <a:solidFill>
-                  <a:schemeClr val="tx1"/>
-                </a:solidFill>
-              </a:rPr>
-              <a:t>[0], </a:t>
-            </a:r>
-            <a:r>
-              <a:rPr lang="en-US" altLang="ko-KR" sz="1200" dirty="0" err="1">
-                <a:solidFill>
-                  <a:schemeClr val="tx1"/>
-                </a:solidFill>
-              </a:rPr>
-              <a:t>img_arr</a:t>
-            </a:r>
-            <a:r>
-              <a:rPr lang="en-US" altLang="ko-KR" sz="1200" dirty="0">
-                <a:solidFill>
-                  <a:schemeClr val="tx1"/>
-                </a:solidFill>
-              </a:rPr>
-              <a:t>[1], </a:t>
-            </a:r>
-            <a:r>
-              <a:rPr lang="en-US" altLang="ko-KR" sz="1200" dirty="0" err="1">
-                <a:solidFill>
-                  <a:schemeClr val="tx1"/>
-                </a:solidFill>
-              </a:rPr>
-              <a:t>img_arr</a:t>
-            </a:r>
-            <a:r>
-              <a:rPr lang="en-US" altLang="ko-KR" sz="1200" dirty="0">
-                <a:solidFill>
-                  <a:schemeClr val="tx1"/>
-                </a:solidFill>
-              </a:rPr>
-              <a:t>[2]])</a:t>
-            </a:r>
-          </a:p>
-          <a:p>
-            <a:pPr algn="just"/>
-            <a:r>
-              <a:rPr lang="en-US" altLang="ko-KR" sz="1200" dirty="0" err="1">
-                <a:solidFill>
-                  <a:schemeClr val="tx1"/>
-                </a:solidFill>
-              </a:rPr>
-              <a:t>pylab.title</a:t>
-            </a:r>
-            <a:r>
-              <a:rPr lang="en-US" altLang="ko-KR" sz="1200" dirty="0">
-                <a:solidFill>
-                  <a:schemeClr val="tx1"/>
-                </a:solidFill>
-              </a:rPr>
-              <a:t>('Result', size=20)</a:t>
-            </a:r>
-          </a:p>
-          <a:p>
-            <a:pPr algn="just"/>
-            <a:r>
-              <a:rPr lang="en-US" altLang="ko-KR" sz="1200" dirty="0" err="1">
-                <a:solidFill>
-                  <a:schemeClr val="tx1"/>
-                </a:solidFill>
-              </a:rPr>
-              <a:t>pylab.imshow</a:t>
-            </a:r>
-            <a:r>
-              <a:rPr lang="en-US" altLang="ko-KR" sz="1200" dirty="0">
-                <a:solidFill>
-                  <a:schemeClr val="tx1"/>
-                </a:solidFill>
-              </a:rPr>
-              <a:t>(</a:t>
-            </a:r>
-            <a:r>
-              <a:rPr lang="en-US" altLang="ko-KR" sz="1200" dirty="0" err="1">
-                <a:solidFill>
-                  <a:schemeClr val="tx1"/>
-                </a:solidFill>
-              </a:rPr>
-              <a:t>np.clip</a:t>
-            </a:r>
-            <a:r>
-              <a:rPr lang="en-US" altLang="ko-KR" sz="1200" dirty="0">
-                <a:solidFill>
-                  <a:schemeClr val="tx1"/>
-                </a:solidFill>
-              </a:rPr>
-              <a:t>(output,0,255))</a:t>
-            </a:r>
-            <a:endParaRPr lang="ko-KR" altLang="en-US" sz="1200" dirty="0">
+              <a:t>from skimage.io import imread</a:t>
+            </a:r>
+            <a:endParaRPr lang="en-US" altLang="ko-KR" sz="1200">
               <a:solidFill>
                 <a:schemeClr val="tx1"/>
               </a:solidFill>
             </a:endParaRPr>
           </a:p>
-        </p:txBody>
-      </p:sp>
-      <p:sp>
-        <p:nvSpPr>
-          <p:cNvPr id="2" name="직사각형 1">
-            <a:extLst>
-              <a:ext uri="{FF2B5EF4-FFF2-40B4-BE49-F238E27FC236}">
-                <a16:creationId xmlns:a16="http://schemas.microsoft.com/office/drawing/2014/main" id="{292883C2-AF6F-CE48-9863-BCA4E87C5486}"/>
-              </a:ext>
-            </a:extLst>
-          </p:cNvPr>
+          <a:p>
+            <a:pPr algn="just">
+              <a:defRPr/>
+            </a:pPr>
+            <a:r>
+              <a:rPr lang="en-US" altLang="ko-KR" sz="1200">
+                <a:solidFill>
+                  <a:schemeClr val="tx1"/>
+                </a:solidFill>
+              </a:rPr>
+              <a:t>from skimage.color import rgb2gray</a:t>
+            </a:r>
+            <a:endParaRPr lang="en-US" altLang="ko-KR" sz="1200">
+              <a:solidFill>
+                <a:schemeClr val="tx1"/>
+              </a:solidFill>
+            </a:endParaRPr>
+          </a:p>
+          <a:p>
+            <a:pPr algn="just">
+              <a:defRPr/>
+            </a:pPr>
+            <a:endParaRPr lang="en-US" altLang="ko-KR" sz="1200">
+              <a:solidFill>
+                <a:schemeClr val="tx1"/>
+              </a:solidFill>
+            </a:endParaRPr>
+          </a:p>
+          <a:p>
+            <a:pPr algn="just">
+              <a:defRPr/>
+            </a:pPr>
+            <a:r>
+              <a:rPr lang="en-US" altLang="ko-KR" sz="1200">
+                <a:solidFill>
+                  <a:schemeClr val="tx1"/>
+                </a:solidFill>
+              </a:rPr>
+              <a:t>read_img = imread('./images/parrot.jpg')</a:t>
+            </a:r>
+            <a:endParaRPr lang="en-US" altLang="ko-KR" sz="1200">
+              <a:solidFill>
+                <a:schemeClr val="tx1"/>
+              </a:solidFill>
+            </a:endParaRPr>
+          </a:p>
+          <a:p>
+            <a:pPr algn="just">
+              <a:defRPr/>
+            </a:pPr>
+            <a:r>
+              <a:rPr lang="en-US" altLang="ko-KR" sz="1200">
+                <a:solidFill>
+                  <a:schemeClr val="tx1"/>
+                </a:solidFill>
+              </a:rPr>
+              <a:t>cmap_lst = ["Blue", "Green", "Red"]</a:t>
+            </a:r>
+            <a:endParaRPr lang="en-US" altLang="ko-KR" sz="1200">
+              <a:solidFill>
+                <a:schemeClr val="tx1"/>
+              </a:solidFill>
+            </a:endParaRPr>
+          </a:p>
+          <a:p>
+            <a:pPr algn="just">
+              <a:defRPr/>
+            </a:pPr>
+            <a:r>
+              <a:rPr lang="en-US" altLang="ko-KR" sz="1200">
+                <a:solidFill>
+                  <a:schemeClr val="tx1"/>
+                </a:solidFill>
+              </a:rPr>
+              <a:t>img_arr = cv2.split(read_img)</a:t>
+            </a:r>
+            <a:endParaRPr lang="en-US" altLang="ko-KR" sz="1200">
+              <a:solidFill>
+                <a:schemeClr val="tx1"/>
+              </a:solidFill>
+            </a:endParaRPr>
+          </a:p>
+          <a:p>
+            <a:pPr algn="just">
+              <a:defRPr/>
+            </a:pPr>
+            <a:r>
+              <a:rPr lang="en-US" altLang="ko-KR" sz="1200">
+                <a:solidFill>
+                  <a:schemeClr val="tx1"/>
+                </a:solidFill>
+              </a:rPr>
+              <a:t>color_arr = []</a:t>
+            </a:r>
+            <a:endParaRPr lang="en-US" altLang="ko-KR" sz="1200">
+              <a:solidFill>
+                <a:schemeClr val="tx1"/>
+              </a:solidFill>
+            </a:endParaRPr>
+          </a:p>
+          <a:p>
+            <a:pPr algn="just">
+              <a:defRPr/>
+            </a:pPr>
+            <a:endParaRPr lang="en-US" altLang="ko-KR" sz="1200">
+              <a:solidFill>
+                <a:schemeClr val="tx1"/>
+              </a:solidFill>
+            </a:endParaRPr>
+          </a:p>
+          <a:p>
+            <a:pPr algn="just">
+              <a:defRPr/>
+            </a:pPr>
+            <a:r>
+              <a:rPr lang="en-US" altLang="ko-KR" sz="1200">
+                <a:solidFill>
+                  <a:schemeClr val="tx1"/>
+                </a:solidFill>
+              </a:rPr>
+              <a:t>for i in range(0, 3) :</a:t>
+            </a:r>
+            <a:endParaRPr lang="en-US" altLang="ko-KR" sz="1200">
+              <a:solidFill>
+                <a:schemeClr val="tx1"/>
+              </a:solidFill>
+            </a:endParaRPr>
+          </a:p>
+          <a:p>
+            <a:pPr algn="just">
+              <a:defRPr/>
+            </a:pPr>
+            <a:r>
+              <a:rPr lang="en-US" altLang="ko-KR" sz="1200">
+                <a:solidFill>
+                  <a:schemeClr val="tx1"/>
+                </a:solidFill>
+              </a:rPr>
+              <a:t>  pylab.subplot(1,3,i+1), pylab.imshow(np.clip(img_arr[i],0,255))</a:t>
+            </a:r>
+            <a:endParaRPr lang="en-US" altLang="ko-KR" sz="1200">
+              <a:solidFill>
+                <a:schemeClr val="tx1"/>
+              </a:solidFill>
+            </a:endParaRPr>
+          </a:p>
+          <a:p>
+            <a:pPr algn="just">
+              <a:defRPr/>
+            </a:pPr>
+            <a:r>
+              <a:rPr lang="en-US" altLang="ko-KR" sz="1200">
+                <a:solidFill>
+                  <a:schemeClr val="tx1"/>
+                </a:solidFill>
+              </a:rPr>
+              <a:t>  pylab.title('Split Channel ' + cmap_lst[i], size=10)</a:t>
+            </a:r>
+            <a:endParaRPr lang="en-US" altLang="ko-KR" sz="1200">
+              <a:solidFill>
+                <a:schemeClr val="tx1"/>
+              </a:solidFill>
+            </a:endParaRPr>
+          </a:p>
+          <a:p>
+            <a:pPr algn="just">
+              <a:defRPr/>
+            </a:pPr>
+            <a:endParaRPr lang="en-US" altLang="ko-KR" sz="1200">
+              <a:solidFill>
+                <a:schemeClr val="tx1"/>
+              </a:solidFill>
+            </a:endParaRPr>
+          </a:p>
+          <a:p>
+            <a:pPr algn="just">
+              <a:defRPr/>
+            </a:pPr>
+            <a:r>
+              <a:rPr lang="en-US" altLang="ko-KR" sz="1200">
+                <a:solidFill>
+                  <a:schemeClr val="tx1"/>
+                </a:solidFill>
+              </a:rPr>
+              <a:t>for i in range(0, 3):</a:t>
+            </a:r>
+            <a:endParaRPr lang="en-US" altLang="ko-KR" sz="1200">
+              <a:solidFill>
+                <a:schemeClr val="tx1"/>
+              </a:solidFill>
+            </a:endParaRPr>
+          </a:p>
+          <a:p>
+            <a:pPr algn="just">
+              <a:defRPr/>
+            </a:pPr>
+            <a:r>
+              <a:rPr lang="en-US" altLang="ko-KR" sz="1200">
+                <a:solidFill>
+                  <a:schemeClr val="tx1"/>
+                </a:solidFill>
+              </a:rPr>
+              <a:t>  im1 = rgb2gray(img_arr[i])</a:t>
+            </a:r>
+            <a:endParaRPr lang="en-US" altLang="ko-KR" sz="1200">
+              <a:solidFill>
+                <a:schemeClr val="tx1"/>
+              </a:solidFill>
+            </a:endParaRPr>
+          </a:p>
+          <a:p>
+            <a:pPr algn="just">
+              <a:defRPr/>
+            </a:pPr>
+            <a:r>
+              <a:rPr lang="en-US" altLang="ko-KR" sz="1200">
+                <a:solidFill>
+                  <a:schemeClr val="tx1"/>
+                </a:solidFill>
+              </a:rPr>
+              <a:t>  pylab.figure(figsize=(12,10))</a:t>
+            </a:r>
+            <a:endParaRPr lang="en-US" altLang="ko-KR" sz="1200">
+              <a:solidFill>
+                <a:schemeClr val="tx1"/>
+              </a:solidFill>
+            </a:endParaRPr>
+          </a:p>
+          <a:p>
+            <a:pPr algn="just">
+              <a:defRPr/>
+            </a:pPr>
+            <a:r>
+              <a:rPr lang="en-US" altLang="ko-KR" sz="1200">
+                <a:solidFill>
+                  <a:schemeClr val="tx1"/>
+                </a:solidFill>
+              </a:rPr>
+              <a:t>  freq1 = fp.fft2(im1)</a:t>
+            </a:r>
+            <a:endParaRPr lang="en-US" altLang="ko-KR" sz="1200">
+              <a:solidFill>
+                <a:schemeClr val="tx1"/>
+              </a:solidFill>
+            </a:endParaRPr>
+          </a:p>
+          <a:p>
+            <a:pPr algn="just">
+              <a:defRPr/>
+            </a:pPr>
+            <a:r>
+              <a:rPr lang="en-US" altLang="ko-KR" sz="1200">
+                <a:solidFill>
+                  <a:schemeClr val="tx1"/>
+                </a:solidFill>
+              </a:rPr>
+              <a:t>  im1_ = fp.ifft2(freq1).real</a:t>
+            </a:r>
+            <a:endParaRPr lang="en-US" altLang="ko-KR" sz="1200">
+              <a:solidFill>
+                <a:schemeClr val="tx1"/>
+              </a:solidFill>
+            </a:endParaRPr>
+          </a:p>
+          <a:p>
+            <a:pPr algn="just">
+              <a:defRPr/>
+            </a:pPr>
+            <a:r>
+              <a:rPr lang="en-US" altLang="ko-KR" sz="1200">
+                <a:solidFill>
+                  <a:schemeClr val="tx1"/>
+                </a:solidFill>
+              </a:rPr>
+              <a:t>  pylab.subplot(4,4,1), pylab.imshow(im1)</a:t>
+            </a:r>
+            <a:endParaRPr lang="en-US" altLang="ko-KR" sz="1200">
+              <a:solidFill>
+                <a:schemeClr val="tx1"/>
+              </a:solidFill>
+            </a:endParaRPr>
+          </a:p>
+          <a:p>
+            <a:pPr algn="just">
+              <a:defRPr/>
+            </a:pPr>
+            <a:r>
+              <a:rPr lang="en-US" altLang="ko-KR" sz="1200">
+                <a:solidFill>
+                  <a:schemeClr val="tx1"/>
+                </a:solidFill>
+              </a:rPr>
+              <a:t>  pylab.title('Original Image - ' + cmap_lst[i], size=12) </a:t>
+            </a:r>
+            <a:endParaRPr lang="en-US" altLang="ko-KR" sz="1200">
+              <a:solidFill>
+                <a:schemeClr val="tx1"/>
+              </a:solidFill>
+            </a:endParaRPr>
+          </a:p>
+          <a:p>
+            <a:pPr algn="just">
+              <a:defRPr/>
+            </a:pPr>
+            <a:r>
+              <a:rPr lang="en-US" altLang="ko-KR" sz="1200">
+                <a:solidFill>
+                  <a:schemeClr val="tx1"/>
+                </a:solidFill>
+              </a:rPr>
+              <a:t>  pylab.subplot(4,4,2), pylab.imshow(20*np.log10( 0.01 + np.abs(fp.fftshift(freq1))))</a:t>
+            </a:r>
+            <a:endParaRPr lang="en-US" altLang="ko-KR" sz="1200">
+              <a:solidFill>
+                <a:schemeClr val="tx1"/>
+              </a:solidFill>
+            </a:endParaRPr>
+          </a:p>
+          <a:p>
+            <a:pPr algn="just">
+              <a:defRPr/>
+            </a:pPr>
+            <a:r>
+              <a:rPr lang="en-US" altLang="ko-KR" sz="1200">
+                <a:solidFill>
+                  <a:schemeClr val="tx1"/>
+                </a:solidFill>
+              </a:rPr>
+              <a:t>  pylab.title('FFT Spectrum Maginitude', size=12)</a:t>
+            </a:r>
+            <a:endParaRPr lang="en-US" altLang="ko-KR" sz="1200">
+              <a:solidFill>
+                <a:schemeClr val="tx1"/>
+              </a:solidFill>
+            </a:endParaRPr>
+          </a:p>
+          <a:p>
+            <a:pPr algn="just">
+              <a:defRPr/>
+            </a:pPr>
+            <a:r>
+              <a:rPr lang="en-US" altLang="ko-KR" sz="1200">
+                <a:solidFill>
+                  <a:schemeClr val="tx1"/>
+                </a:solidFill>
+              </a:rPr>
+              <a:t>  pylab.subplot(4,4,3), pylab.imshow(np.angle(fp.fftshift(freq1)))</a:t>
+            </a:r>
+            <a:endParaRPr lang="en-US" altLang="ko-KR" sz="1200">
+              <a:solidFill>
+                <a:schemeClr val="tx1"/>
+              </a:solidFill>
+            </a:endParaRPr>
+          </a:p>
+          <a:p>
+            <a:pPr algn="just">
+              <a:defRPr/>
+            </a:pPr>
+            <a:r>
+              <a:rPr lang="en-US" altLang="ko-KR" sz="1200">
+                <a:solidFill>
+                  <a:schemeClr val="tx1"/>
+                </a:solidFill>
+              </a:rPr>
+              <a:t>  pylab.title('FFT Phase', size=12)</a:t>
+            </a:r>
+            <a:endParaRPr lang="en-US" altLang="ko-KR" sz="1200">
+              <a:solidFill>
+                <a:schemeClr val="tx1"/>
+              </a:solidFill>
+            </a:endParaRPr>
+          </a:p>
+          <a:p>
+            <a:pPr algn="just">
+              <a:defRPr/>
+            </a:pPr>
+            <a:r>
+              <a:rPr lang="en-US" altLang="ko-KR" sz="1200">
+                <a:solidFill>
+                  <a:schemeClr val="tx1"/>
+                </a:solidFill>
+              </a:rPr>
+              <a:t>  pylab.subplot(4,4,4), pylab.imshow(np.clip(im1_,0,255))</a:t>
+            </a:r>
+            <a:endParaRPr lang="en-US" altLang="ko-KR" sz="1200">
+              <a:solidFill>
+                <a:schemeClr val="tx1"/>
+              </a:solidFill>
+            </a:endParaRPr>
+          </a:p>
+          <a:p>
+            <a:pPr algn="just">
+              <a:defRPr/>
+            </a:pPr>
+            <a:r>
+              <a:rPr lang="en-US" altLang="ko-KR" sz="1200">
+                <a:solidFill>
+                  <a:schemeClr val="tx1"/>
+                </a:solidFill>
+              </a:rPr>
+              <a:t>  pylab.title('Reconstructed Image', size=12)</a:t>
+            </a:r>
+            <a:endParaRPr lang="en-US" altLang="ko-KR" sz="1200">
+              <a:solidFill>
+                <a:schemeClr val="tx1"/>
+              </a:solidFill>
+            </a:endParaRPr>
+          </a:p>
+          <a:p>
+            <a:pPr algn="just">
+              <a:defRPr/>
+            </a:pPr>
+            <a:r>
+              <a:rPr lang="en-US" altLang="ko-KR" sz="1200">
+                <a:solidFill>
+                  <a:schemeClr val="tx1"/>
+                </a:solidFill>
+              </a:rPr>
+              <a:t>  pylab.show()</a:t>
+            </a:r>
+            <a:endParaRPr lang="en-US" altLang="ko-KR" sz="1200">
+              <a:solidFill>
+                <a:schemeClr val="tx1"/>
+              </a:solidFill>
+            </a:endParaRPr>
+          </a:p>
+          <a:p>
+            <a:pPr algn="just">
+              <a:defRPr/>
+            </a:pPr>
+            <a:r>
+              <a:rPr lang="en-US" altLang="ko-KR" sz="1200">
+                <a:solidFill>
+                  <a:schemeClr val="tx1"/>
+                </a:solidFill>
+              </a:rPr>
+              <a:t>  color_arr.append(np.clip(im1_,0,255))</a:t>
+            </a:r>
+            <a:endParaRPr lang="en-US" altLang="ko-KR" sz="1200">
+              <a:solidFill>
+                <a:schemeClr val="tx1"/>
+              </a:solidFill>
+            </a:endParaRPr>
+          </a:p>
+          <a:p>
+            <a:pPr algn="just">
+              <a:defRPr/>
+            </a:pPr>
+            <a:r>
+              <a:rPr lang="en-US" altLang="ko-KR" sz="1200">
+                <a:solidFill>
+                  <a:schemeClr val="tx1"/>
+                </a:solidFill>
+              </a:rPr>
+              <a:t> </a:t>
+            </a:r>
+            <a:endParaRPr lang="en-US" altLang="ko-KR" sz="1200">
+              <a:solidFill>
+                <a:schemeClr val="tx1"/>
+              </a:solidFill>
+            </a:endParaRPr>
+          </a:p>
+          <a:p>
+            <a:pPr algn="just">
+              <a:defRPr/>
+            </a:pPr>
+            <a:endParaRPr lang="en-US" altLang="ko-KR" sz="1200">
+              <a:solidFill>
+                <a:schemeClr val="tx1"/>
+              </a:solidFill>
+            </a:endParaRPr>
+          </a:p>
+          <a:p>
+            <a:pPr algn="just">
+              <a:defRPr/>
+            </a:pPr>
+            <a:r>
+              <a:rPr lang="en-US" altLang="ko-KR" sz="1200">
+                <a:solidFill>
+                  <a:schemeClr val="tx1"/>
+                </a:solidFill>
+              </a:rPr>
+              <a:t>merge_img =cv2.merge([color_arr[0], color_arr[1], color_arr[2]])</a:t>
+            </a:r>
+            <a:endParaRPr lang="en-US" altLang="ko-KR" sz="1200">
+              <a:solidFill>
+                <a:schemeClr val="tx1"/>
+              </a:solidFill>
+            </a:endParaRPr>
+          </a:p>
+          <a:p>
+            <a:pPr algn="just">
+              <a:defRPr/>
+            </a:pPr>
+            <a:r>
+              <a:rPr lang="en-US" altLang="ko-KR" sz="1200">
+                <a:solidFill>
+                  <a:schemeClr val="tx1"/>
+                </a:solidFill>
+              </a:rPr>
+              <a:t>merge_img = merge_img.astype(np.int64)</a:t>
+            </a:r>
+            <a:endParaRPr lang="en-US" altLang="ko-KR" sz="1200">
+              <a:solidFill>
+                <a:schemeClr val="tx1"/>
+              </a:solidFill>
+            </a:endParaRPr>
+          </a:p>
+          <a:p>
+            <a:pPr algn="just">
+              <a:defRPr/>
+            </a:pPr>
+            <a:r>
+              <a:rPr lang="en-US" altLang="ko-KR" sz="1200">
+                <a:solidFill>
+                  <a:schemeClr val="tx1"/>
+                </a:solidFill>
+              </a:rPr>
+              <a:t>pylab.subplot(1,1,1), pylab.imshow(np.clip(merge_img, 0, 255))</a:t>
+            </a:r>
+            <a:endParaRPr lang="en-US" altLang="ko-KR" sz="1200">
+              <a:solidFill>
+                <a:schemeClr val="tx1"/>
+              </a:solidFill>
+            </a:endParaRPr>
+          </a:p>
+          <a:p>
+            <a:pPr algn="just">
+              <a:defRPr/>
+            </a:pPr>
+            <a:r>
+              <a:rPr lang="en-US" altLang="ko-KR" sz="1200">
+                <a:solidFill>
+                  <a:schemeClr val="tx1"/>
+                </a:solidFill>
+              </a:rPr>
+              <a:t>pylab.title('Result2', size=20)</a:t>
+            </a:r>
+            <a:endParaRPr lang="en-US" altLang="ko-KR" sz="1200">
+              <a:solidFill>
+                <a:schemeClr val="tx1"/>
+              </a:solidFill>
+            </a:endParaRPr>
+          </a:p>
+          <a:p>
+            <a:pPr algn="just">
+              <a:defRPr/>
+            </a:pPr>
+            <a:endParaRPr lang="en-US" altLang="ko-KR" sz="1200">
+              <a:solidFill>
+                <a:schemeClr val="tx1"/>
+              </a:solidFill>
+            </a:endParaRPr>
+          </a:p>
+        </p:txBody>
+      </p:sp>
+      <p:sp>
+        <p:nvSpPr>
+          <p:cNvPr id="2" name="직사각형 1"/>
           <p:cNvSpPr/>
           <p:nvPr/>
         </p:nvSpPr>
@@ -4502,19 +3943,22 @@
           </a:bodyPr>
           <a:lstStyle/>
           <a:p>
-            <a:r>
-              <a:rPr lang="ko-KR" altLang="en-US" sz="1200" dirty="0">
+            <a:pPr lvl="0">
+              <a:defRPr/>
+            </a:pPr>
+            <a:r>
+              <a:rPr lang="ko-KR" altLang="en-US" sz="1200">
                 <a:latin typeface="+mn-ea"/>
               </a:rPr>
               <a:t>학번</a:t>
             </a:r>
             <a:r>
-              <a:rPr lang="en-US" altLang="ko-KR" sz="1200" dirty="0">
+              <a:rPr lang="en-US" altLang="ko-KR" sz="1200">
                 <a:latin typeface="+mn-ea"/>
               </a:rPr>
               <a:t>:</a:t>
             </a:r>
-            <a:endParaRPr lang="ko-Kore-KR" altLang="en-US" sz="1200" dirty="0">
+            <a:endParaRPr lang="ko-Kore-KR" altLang="en-US" sz="1200">
               <a:latin typeface="+mn-ea"/>
             </a:endParaRPr>
           </a:p>
@@ -4522,13 +3966,7 @@
       </p:sp>
       <p:sp>
         <p:nvSpPr>
-          <p:cNvPr id="11" name="직사각형 10">
-            <a:extLst>
-              <a:ext uri="{FF2B5EF4-FFF2-40B4-BE49-F238E27FC236}">
-                <a16:creationId xmlns:a16="http://schemas.microsoft.com/office/drawing/2014/main" id="{15EDF245-73CD-DF40-9EFF-CC3951A41B0A}"/>
-              </a:ext>
-            </a:extLst>
-          </p:cNvPr>
+          <p:cNvPr id="11" name="직사각형 10"/>
           <p:cNvSpPr/>
           <p:nvPr/>
         </p:nvSpPr>
@@ -4555,7 +3993,16 @@
           </a:bodyPr>
           <a:lstStyle/>
           <a:p>
-            <a:endParaRPr lang="ko-Kore-KR" altLang="en-US" sz="1200" dirty="0">
+            <a:pPr lvl="0">
+              <a:defRPr/>
+            </a:pPr>
+            <a:r>
+              <a:rPr lang="en-US" altLang="ko-KR" sz="1200">
+                <a:latin typeface="+mn-ea"/>
+              </a:rPr>
+              <a:t>20193148</a:t>
+            </a:r>
+            <a:endParaRPr lang="en-US" altLang="ko-KR" sz="1200">
               <a:latin typeface="+mn-ea"/>
             </a:endParaRPr>
           </a:p>
@@ -4563,13 +4010,7 @@
       </p:sp>
       <p:sp>
         <p:nvSpPr>
-          <p:cNvPr id="12" name="직사각형 11">
-            <a:extLst>
-              <a:ext uri="{FF2B5EF4-FFF2-40B4-BE49-F238E27FC236}">
-                <a16:creationId xmlns:a16="http://schemas.microsoft.com/office/drawing/2014/main" id="{BAC00B10-0604-004D-A54A-D63FFEE1826A}"/>
-              </a:ext>
-            </a:extLst>
-          </p:cNvPr>
+          <p:cNvPr id="12" name="직사각형 11"/>
           <p:cNvSpPr/>
           <p:nvPr/>
         </p:nvSpPr>
@@ -4588,19 +4029,22 @@
           </a:bodyPr>
           <a:lstStyle/>
           <a:p>
-            <a:r>
-              <a:rPr lang="ko-KR" altLang="en-US" sz="1200" dirty="0">
+            <a:pPr lvl="0">
+              <a:defRPr/>
+            </a:pPr>
+            <a:r>
+              <a:rPr lang="ko-KR" altLang="en-US" sz="1200">
                 <a:latin typeface="+mn-ea"/>
               </a:rPr>
               <a:t>성명</a:t>
             </a:r>
             <a:r>
-              <a:rPr lang="en-US" altLang="ko-KR" sz="1200" dirty="0">
+              <a:rPr lang="en-US" altLang="ko-KR" sz="1200">
                 <a:latin typeface="+mn-ea"/>
               </a:rPr>
               <a:t>:</a:t>
             </a:r>
-            <a:endParaRPr lang="ko-Kore-KR" altLang="en-US" sz="1200" dirty="0">
+            <a:endParaRPr lang="ko-Kore-KR" altLang="en-US" sz="1200">
               <a:latin typeface="+mn-ea"/>
             </a:endParaRPr>
           </a:p>
@@ -4608,13 +4052,7 @@
       </p:sp>
       <p:sp>
         <p:nvSpPr>
-          <p:cNvPr id="13" name="직사각형 12">
-            <a:extLst>
-              <a:ext uri="{FF2B5EF4-FFF2-40B4-BE49-F238E27FC236}">
-                <a16:creationId xmlns:a16="http://schemas.microsoft.com/office/drawing/2014/main" id="{43B74840-0363-6F45-A91B-712E9184CD47}"/>
-              </a:ext>
-            </a:extLst>
-          </p:cNvPr>
+          <p:cNvPr id="13" name="직사각형 12"/>
           <p:cNvSpPr/>
           <p:nvPr/>
         </p:nvSpPr>
@@ -4641,7 +4079,16 @@
           </a:bodyPr>
           <a:lstStyle/>
           <a:p>
-            <a:endParaRPr lang="ko-Kore-KR" altLang="en-US" sz="1200" dirty="0">
+            <a:pPr lvl="0">
+              <a:defRPr/>
+            </a:pPr>
+            <a:r>
+              <a:rPr lang="ko-KR" altLang="en-US" sz="1200">
+                <a:latin typeface="+mn-ea"/>
+              </a:rPr>
+              <a:t>황진주</a:t>
+            </a:r>
+            <a:endParaRPr lang="ko-KR" altLang="en-US" sz="1200">
               <a:latin typeface="+mn-ea"/>
             </a:endParaRPr>
           </a:p>
@@ -4649,26 +4096,14 @@
       </p:sp>
       <p:pic>
         <p:nvPicPr>
-          <p:cNvPr id="4" name="그림 3">
-            <a:extLst>
-              <a:ext uri="{FF2B5EF4-FFF2-40B4-BE49-F238E27FC236}">
-                <a16:creationId xmlns:a16="http://schemas.microsoft.com/office/drawing/2014/main" id="{AB6766FC-3B7B-1245-B2AD-8C257FEC8781}"/>
-              </a:ext>
-            </a:extLst>
-          </p:cNvPr>
+          <p:cNvPr id="4" name="그림 3"/>
           <p:cNvPicPr>
             <a:picLocks noChangeAspect="1"/>
           </p:cNvPicPr>
           <p:nvPr/>
         </p:nvPicPr>
-        <p:blipFill>
-          <a:blip r:embed="rId2" cstate="print">
-            <a:extLst>
-              <a:ext uri="{28A0092B-C50C-407E-A947-70E740481C1C}">
-                <a14:useLocalDpi xmlns:a14="http://schemas.microsoft.com/office/drawing/2010/main" val="0"/>
-              </a:ext>
-            </a:extLst>
-          </a:blip>
+        <p:blipFill rotWithShape="1">
+          <a:blip r:embed="rId2"/>
           <a:stretch>
             <a:fillRect/>
           </a:stretch>
@@ -4684,57 +4119,60 @@
         </p:spPr>
       </p:pic>
     </p:spTree>
-    <p:extLst>
-      <p:ext uri="{BB962C8B-B14F-4D97-AF65-F5344CB8AC3E}">
-        <p14:creationId xmlns:p14="http://schemas.microsoft.com/office/powerpoint/2010/main" val="4021160439"/>
-      </p:ext>
-    </p:extLst>
   </p:cSld>
   <p:clrMapOvr>
     <a:masterClrMapping/>
   </p:clrMapOvr>
+  <mc:AlternateContent xmlns:mc="http://schemas.openxmlformats.org/markup-compatibility/2006">
+    <mc:Choice xmlns:p14="http://schemas.microsoft.com/office/powerpoint/2010/main" Requires="p14">
+      <p:transition xmlns:mc="http://schemas.openxmlformats.org/markup-compatibility/2006" xmlns:p14="http://schemas.microsoft.com/office/powerpoint/2010/main" mc:Ignorable="p14" p14:dur="500"/>
+    </mc:Choice>
+    <mc:Fallback>
+      <p:transition/>
+    </mc:Fallback>
+  </mc:AlternateContent>
 </p:sld>
 </file>
 
 <file path=ppt/theme/theme1.xml><?xml version="1.0" encoding="utf-8"?>
-<a:theme xmlns:a="http://schemas.openxmlformats.org/drawingml/2006/main" name="Office 테마">
+<a:theme xmlns:r="http://schemas.openxmlformats.org/officeDocument/2006/relationships" xmlns:c="http://schemas.openxmlformats.org/drawingml/2006/chart" xmlns:dgm="http://schemas.openxmlformats.org/drawingml/2006/diagram" xmlns:dsp="http://schemas.microsoft.com/office/drawing/2008/diagram" xmlns:a="http://schemas.openxmlformats.org/drawingml/2006/main" xmlns:pic="http://schemas.openxmlformats.org/drawingml/2006/picture" xmlns:wp="http://schemas.openxmlformats.org/drawingml/2006/wordprocessingDrawing" xmlns:xdr="http://schemas.openxmlformats.org/drawingml/2006/spreadsheetDrawing" xmlns:lc="http://schemas.openxmlformats.org/drawingml/2006/lockedCanvas" xmlns:p="http://schemas.openxmlformats.org/presentationml/2006/main" name="Office 테마">
   <a:themeElements>
     <a:clrScheme name="Office 테마">
       <a:dk1>
         <a:sysClr val="windowText" lastClr="000000"/>
       </a:dk1>
       <a:lt1>
-        <a:sysClr val="window" lastClr="FFFFFF"/>
+        <a:sysClr val="window" lastClr="ffffff"/>
       </a:lt1>
       <a:dk2>
-        <a:srgbClr val="44546A"/>
+        <a:srgbClr val="44546a"/>
       </a:dk2>
       <a:lt2>
-        <a:srgbClr val="E7E6E6"/>
+        <a:srgbClr val="e7e6e6"/>
       </a:lt2>
       <a:accent1>
-        <a:srgbClr val="5B9BD5"/>
+        <a:srgbClr val="5b9bd5"/>
       </a:accent1>
       <a:accent2>
-        <a:srgbClr val="ED7D31"/>
+        <a:srgbClr val="ed7d31"/>
       </a:accent2>
       <a:accent3>
-        <a:srgbClr val="A5A5A5"/>
+        <a:srgbClr val="a5a5a5"/>
       </a:accent3>
       <a:accent4>
-        <a:srgbClr val="FFC000"/>
+        <a:srgbClr val="ffc000"/>
       </a:accent4>
       <a:accent5>
-        <a:srgbClr val="4472C4"/>
+        <a:srgbClr val="4472c4"/>
       </a:accent5>
       <a:accent6>
-        <a:srgbClr val="70AD47"/>
+        <a:srgbClr val="70ad47"/>
       </a:accent6>
       <a:hlink>
-        <a:srgbClr val="0563C1"/>
+        <a:srgbClr val="0563c1"/>
       </a:hlink>
       <a:folHlink>
-        <a:srgbClr val="954F72"/>
+        <a:srgbClr val="954f72"/>
       </a:folHlink>
     </a:clrScheme>
     <a:fontScheme name="Office 테마">
@@ -4742,7 +4180,7 @@
         <a:latin typeface="Calibri Light" panose="020F0302020204030204"/>
         <a:ea typeface=""/>
         <a:cs typeface=""/>
-        <a:font script="Jpan" typeface="游ゴシック Light"/>
+        <a:font script="Jpan" typeface="Yu Gothic Light"/>
         <a:font script="Hang" typeface="맑은 고딕"/>
         <a:font script="Hans" typeface="等线 Light"/>
         <a:font script="Hant" typeface="新細明體"/>
@@ -4777,7 +4215,7 @@
         <a:latin typeface="Calibri" panose="020F0502020204030204"/>
         <a:ea typeface=""/>
         <a:cs typeface=""/>
-        <a:font script="Jpan" typeface="游ゴシック"/>
+        <a:font script="Jpan" typeface="Yu Gothic"/>
         <a:font script="Hang" typeface="맑은 고딕"/>
         <a:font script="Hans" typeface="等线"/>
         <a:font script="Hant" typeface="新細明體"/>
@@ -4873,21 +4311,21 @@
             <a:schemeClr val="phClr"/>
           </a:solidFill>
           <a:prstDash val="solid"/>
-          <a:miter lim="800000"/>
+          <a:miter/>
         </a:ln>
         <a:ln w="12700" cap="flat" cmpd="sng" algn="ctr">
           <a:solidFill>
             <a:schemeClr val="phClr"/>
           </a:solidFill>
           <a:prstDash val="solid"/>
-          <a:miter lim="800000"/>
+          <a:miter/>
         </a:ln>
         <a:ln w="19050" cap="flat" cmpd="sng" algn="ctr">
           <a:solidFill>
             <a:schemeClr val="phClr"/>
           </a:solidFill>
           <a:prstDash val="solid"/>
-          <a:miter lim="800000"/>
+          <a:miter/>
         </a:ln>
       </a:lnStyleLst>
       <a:effectStyleLst>
@@ -4947,12 +4385,5 @@
       </a:bgFillStyleLst>
     </a:fmtScheme>
   </a:themeElements>
-  <a:objectDefaults/>
-  <a:extraClrSchemeLst/>
-  <a:extLst>
-    <a:ext uri="{05A4C25C-085E-4340-85A3-A5531E510DB2}">
-      <thm15:themeFamily xmlns:thm15="http://schemas.microsoft.com/office/thememl/2012/main" name="Office Theme" id="{62F939B6-93AF-4DB8-9C6B-D6C7DFDC589F}" vid="{4A3C46E8-61CC-4603-A589-7422A47A8E4A}"/>
-    </a:ext>
-  </a:extLst>
 </a:theme>
 </file>